--- a/Presentation.pptx
+++ b/Presentation.pptx
@@ -3411,7 +3411,7 @@
       </dgm:t>
     </dgm:pt>
     <dgm:pt modelId="{BEC48BF0-B19D-441B-8E69-A423864A5637}">
-      <dgm:prSet/>
+      <dgm:prSet custT="1"/>
       <dgm:spPr/>
       <dgm:t>
         <a:bodyPr/>
@@ -3419,10 +3419,10 @@
         <a:p>
           <a:pPr rtl="0"/>
           <a:r>
-            <a:rPr lang="en-IN" b="1" dirty="0" smtClean="0"/>
-            <a:t>WIRELESS HOME AUTOMATION </a:t>
+            <a:rPr lang="en-IN" sz="3500" b="1" dirty="0"/>
+            <a:t>WIRELESS DOMOTICS ASSISTANCE</a:t>
           </a:r>
-          <a:endParaRPr lang="en-IN" dirty="0"/>
+          <a:endParaRPr lang="en-IN" sz="3500" dirty="0"/>
         </a:p>
       </dgm:t>
     </dgm:pt>
@@ -3456,29 +3456,15 @@
         </dgm:presLayoutVars>
       </dgm:prSet>
       <dgm:spPr/>
-      <dgm:t>
-        <a:bodyPr/>
-        <a:lstStyle/>
-        <a:p>
-          <a:endParaRPr lang="en-IN"/>
-        </a:p>
-      </dgm:t>
     </dgm:pt>
     <dgm:pt modelId="{48800C61-9E6E-4210-9BE7-87EFFD9C9BFE}" type="pres">
-      <dgm:prSet presAssocID="{BEC48BF0-B19D-441B-8E69-A423864A5637}" presName="parentText" presStyleLbl="node1" presStyleIdx="0" presStyleCnt="1" custFlipVert="0" custScaleX="83850" custScaleY="37835" custLinFactNeighborX="-3915" custLinFactNeighborY="-28743">
+      <dgm:prSet presAssocID="{BEC48BF0-B19D-441B-8E69-A423864A5637}" presName="parentText" presStyleLbl="node1" presStyleIdx="0" presStyleCnt="1" custFlipVert="0" custScaleX="90589" custScaleY="93009" custLinFactNeighborX="-1058" custLinFactNeighborY="-25354">
         <dgm:presLayoutVars>
           <dgm:chMax val="0"/>
           <dgm:bulletEnabled val="1"/>
         </dgm:presLayoutVars>
       </dgm:prSet>
       <dgm:spPr/>
-      <dgm:t>
-        <a:bodyPr/>
-        <a:lstStyle/>
-        <a:p>
-          <a:endParaRPr lang="en-IN"/>
-        </a:p>
-      </dgm:t>
     </dgm:pt>
   </dgm:ptLst>
   <dgm:cxnLst>
@@ -3519,13 +3505,6 @@
         </dgm:presLayoutVars>
       </dgm:prSet>
       <dgm:spPr/>
-      <dgm:t>
-        <a:bodyPr/>
-        <a:lstStyle/>
-        <a:p>
-          <a:endParaRPr lang="en-IN"/>
-        </a:p>
-      </dgm:t>
     </dgm:pt>
   </dgm:ptLst>
   <dgm:cxnLst>
@@ -3564,10 +3543,9 @@
         <a:p>
           <a:pPr rtl="0"/>
           <a:r>
-            <a:rPr lang="en-IN" sz="2400" b="1" dirty="0" smtClean="0"/>
+            <a:rPr lang="en-IN" sz="2400" b="1" dirty="0"/>
             <a:t>PRESENTED BY :-</a:t>
           </a:r>
-          <a:endParaRPr lang="en-IN" sz="2400" b="1" dirty="0"/>
         </a:p>
       </dgm:t>
     </dgm:pt>
@@ -3602,10 +3580,9 @@
         <a:p>
           <a:pPr rtl="0"/>
           <a:r>
-            <a:rPr lang="en-IN" sz="2400" dirty="0" smtClean="0"/>
+            <a:rPr lang="en-IN" sz="2400" dirty="0"/>
             <a:t>MANAS JAIN</a:t>
           </a:r>
-          <a:endParaRPr lang="en-IN" sz="2400" dirty="0"/>
         </a:p>
       </dgm:t>
     </dgm:pt>
@@ -3640,10 +3617,9 @@
         <a:p>
           <a:pPr rtl="0"/>
           <a:r>
-            <a:rPr lang="en-IN" sz="2400" dirty="0" smtClean="0"/>
+            <a:rPr lang="en-IN" sz="2400" dirty="0"/>
             <a:t>UDDESHYA MISHRA</a:t>
           </a:r>
-          <a:endParaRPr lang="en-IN" sz="2400" dirty="0"/>
         </a:p>
       </dgm:t>
     </dgm:pt>
@@ -3677,13 +3653,6 @@
         </dgm:presLayoutVars>
       </dgm:prSet>
       <dgm:spPr/>
-      <dgm:t>
-        <a:bodyPr/>
-        <a:lstStyle/>
-        <a:p>
-          <a:endParaRPr lang="en-IN"/>
-        </a:p>
-      </dgm:t>
     </dgm:pt>
     <dgm:pt modelId="{69D3A6F2-FDA8-44B3-A25E-BED4984A0C88}" type="pres">
       <dgm:prSet presAssocID="{FD529AE2-F330-440C-B2C2-866E66B6C96C}" presName="parentText" presStyleLbl="node1" presStyleIdx="0" presStyleCnt="3" custLinFactY="-69667" custLinFactNeighborX="-1417" custLinFactNeighborY="-100000">
@@ -3693,24 +3662,10 @@
         </dgm:presLayoutVars>
       </dgm:prSet>
       <dgm:spPr/>
-      <dgm:t>
-        <a:bodyPr/>
-        <a:lstStyle/>
-        <a:p>
-          <a:endParaRPr lang="en-IN"/>
-        </a:p>
-      </dgm:t>
     </dgm:pt>
     <dgm:pt modelId="{DCAD9F65-B80C-4ADE-B89B-F6B4E1661A04}" type="pres">
       <dgm:prSet presAssocID="{F4CB38E5-011A-4475-9702-6E9A6793710C}" presName="spacer" presStyleCnt="0"/>
       <dgm:spPr/>
-      <dgm:t>
-        <a:bodyPr/>
-        <a:lstStyle/>
-        <a:p>
-          <a:endParaRPr lang="en-IN"/>
-        </a:p>
-      </dgm:t>
     </dgm:pt>
     <dgm:pt modelId="{03870316-C59F-435E-941E-E26229E06860}" type="pres">
       <dgm:prSet presAssocID="{2164A076-0369-4E47-8E37-9BBE10C620E4}" presName="parentText" presStyleLbl="node1" presStyleIdx="1" presStyleCnt="3" custLinFactNeighborY="8900">
@@ -3720,24 +3675,10 @@
         </dgm:presLayoutVars>
       </dgm:prSet>
       <dgm:spPr/>
-      <dgm:t>
-        <a:bodyPr/>
-        <a:lstStyle/>
-        <a:p>
-          <a:endParaRPr lang="en-IN"/>
-        </a:p>
-      </dgm:t>
     </dgm:pt>
     <dgm:pt modelId="{394660F2-7597-46F4-A2D2-779C4B581FC4}" type="pres">
       <dgm:prSet presAssocID="{06866644-C2EC-472E-A188-5A0B0625AA66}" presName="spacer" presStyleCnt="0"/>
       <dgm:spPr/>
-      <dgm:t>
-        <a:bodyPr/>
-        <a:lstStyle/>
-        <a:p>
-          <a:endParaRPr lang="en-IN"/>
-        </a:p>
-      </dgm:t>
     </dgm:pt>
     <dgm:pt modelId="{F1BD5900-166A-4C34-B27C-8107AD8D2899}" type="pres">
       <dgm:prSet presAssocID="{6794030C-7DE2-4253-938F-6EF35E7D211F}" presName="parentText" presStyleLbl="node1" presStyleIdx="2" presStyleCnt="3" custLinFactY="6635" custLinFactNeighborX="-2872" custLinFactNeighborY="100000">
@@ -3747,13 +3688,6 @@
         </dgm:presLayoutVars>
       </dgm:prSet>
       <dgm:spPr/>
-      <dgm:t>
-        <a:bodyPr/>
-        <a:lstStyle/>
-        <a:p>
-          <a:endParaRPr lang="en-IN"/>
-        </a:p>
-      </dgm:t>
     </dgm:pt>
   </dgm:ptLst>
   <dgm:cxnLst>
@@ -3802,10 +3736,9 @@
         <a:lstStyle/>
         <a:p>
           <a:r>
-            <a:rPr lang="en-US" dirty="0" smtClean="0"/>
+            <a:rPr lang="en-US" dirty="0"/>
             <a:t>INPUT</a:t>
           </a:r>
-          <a:endParaRPr lang="en-US" dirty="0"/>
         </a:p>
       </dgm:t>
     </dgm:pt>
@@ -3839,10 +3772,9 @@
         <a:lstStyle/>
         <a:p>
           <a:r>
-            <a:rPr lang="en-US" dirty="0" smtClean="0"/>
+            <a:rPr lang="en-US" dirty="0"/>
             <a:t>Takes input through its input pins</a:t>
           </a:r>
-          <a:endParaRPr lang="en-US" dirty="0"/>
         </a:p>
       </dgm:t>
     </dgm:pt>
@@ -3876,10 +3808,9 @@
         <a:lstStyle/>
         <a:p>
           <a:r>
-            <a:rPr lang="en-US" dirty="0" smtClean="0"/>
+            <a:rPr lang="en-US" dirty="0"/>
             <a:t>PROCESS</a:t>
           </a:r>
-          <a:endParaRPr lang="en-US" dirty="0"/>
         </a:p>
       </dgm:t>
     </dgm:pt>
@@ -3913,10 +3844,9 @@
         <a:lstStyle/>
         <a:p>
           <a:r>
-            <a:rPr lang="en-US" dirty="0" smtClean="0"/>
+            <a:rPr lang="en-US" dirty="0"/>
             <a:t>Decides the output corresponding to the input based on the program</a:t>
           </a:r>
-          <a:endParaRPr lang="en-US" dirty="0"/>
         </a:p>
       </dgm:t>
     </dgm:pt>
@@ -3950,10 +3880,9 @@
         <a:lstStyle/>
         <a:p>
           <a:r>
-            <a:rPr lang="en-US" dirty="0" smtClean="0"/>
+            <a:rPr lang="en-US" dirty="0"/>
             <a:t>OUTPUT</a:t>
           </a:r>
-          <a:endParaRPr lang="en-US" dirty="0"/>
         </a:p>
       </dgm:t>
     </dgm:pt>
@@ -3987,10 +3916,9 @@
         <a:lstStyle/>
         <a:p>
           <a:r>
-            <a:rPr lang="en-US" dirty="0" smtClean="0"/>
+            <a:rPr lang="en-US" dirty="0"/>
             <a:t>Sends these outputs to components through its output pins</a:t>
           </a:r>
-          <a:endParaRPr lang="en-US" dirty="0"/>
         </a:p>
       </dgm:t>
     </dgm:pt>
@@ -4025,24 +3953,10 @@
         </dgm:presLayoutVars>
       </dgm:prSet>
       <dgm:spPr/>
-      <dgm:t>
-        <a:bodyPr/>
-        <a:lstStyle/>
-        <a:p>
-          <a:endParaRPr lang="en-US"/>
-        </a:p>
-      </dgm:t>
     </dgm:pt>
     <dgm:pt modelId="{13E44888-0B77-4A6C-A04B-C25AE6ABE2CC}" type="pres">
       <dgm:prSet presAssocID="{CFE36131-A870-46BA-89D8-ED64F92D88F4}" presName="composite" presStyleCnt="0"/>
       <dgm:spPr/>
-      <dgm:t>
-        <a:bodyPr/>
-        <a:lstStyle/>
-        <a:p>
-          <a:endParaRPr lang="en-IN"/>
-        </a:p>
-      </dgm:t>
     </dgm:pt>
     <dgm:pt modelId="{EF6D6247-3DA4-4E46-B0DA-09C7EC1EE1EF}" type="pres">
       <dgm:prSet presAssocID="{CFE36131-A870-46BA-89D8-ED64F92D88F4}" presName="parTx" presStyleLbl="node1" presStyleIdx="0" presStyleCnt="3">
@@ -4053,24 +3967,10 @@
         </dgm:presLayoutVars>
       </dgm:prSet>
       <dgm:spPr/>
-      <dgm:t>
-        <a:bodyPr/>
-        <a:lstStyle/>
-        <a:p>
-          <a:endParaRPr lang="en-US"/>
-        </a:p>
-      </dgm:t>
     </dgm:pt>
     <dgm:pt modelId="{1F4C4EDF-DA0C-47C8-8F6C-F1DB95DEA925}" type="pres">
       <dgm:prSet presAssocID="{CFE36131-A870-46BA-89D8-ED64F92D88F4}" presName="parSh" presStyleLbl="node1" presStyleIdx="0" presStyleCnt="3" custLinFactNeighborX="1486"/>
       <dgm:spPr/>
-      <dgm:t>
-        <a:bodyPr/>
-        <a:lstStyle/>
-        <a:p>
-          <a:endParaRPr lang="en-US"/>
-        </a:p>
-      </dgm:t>
     </dgm:pt>
     <dgm:pt modelId="{09D9D31D-B0AC-4142-BE75-3511A841487F}" type="pres">
       <dgm:prSet presAssocID="{CFE36131-A870-46BA-89D8-ED64F92D88F4}" presName="desTx" presStyleLbl="fgAcc1" presStyleIdx="0" presStyleCnt="3" custLinFactNeighborX="717" custLinFactNeighborY="1627">
@@ -4079,46 +3979,18 @@
         </dgm:presLayoutVars>
       </dgm:prSet>
       <dgm:spPr/>
-      <dgm:t>
-        <a:bodyPr/>
-        <a:lstStyle/>
-        <a:p>
-          <a:endParaRPr lang="en-US"/>
-        </a:p>
-      </dgm:t>
     </dgm:pt>
     <dgm:pt modelId="{141D56F9-5C24-491C-AB6B-8628901665E9}" type="pres">
       <dgm:prSet presAssocID="{C3DF3651-4BC8-4193-BD3A-A4098AD4F891}" presName="sibTrans" presStyleLbl="sibTrans2D1" presStyleIdx="0" presStyleCnt="2"/>
       <dgm:spPr/>
-      <dgm:t>
-        <a:bodyPr/>
-        <a:lstStyle/>
-        <a:p>
-          <a:endParaRPr lang="en-US"/>
-        </a:p>
-      </dgm:t>
     </dgm:pt>
     <dgm:pt modelId="{5D2C6565-8BD1-433D-AA2A-C194280D6038}" type="pres">
       <dgm:prSet presAssocID="{C3DF3651-4BC8-4193-BD3A-A4098AD4F891}" presName="connTx" presStyleLbl="sibTrans2D1" presStyleIdx="0" presStyleCnt="2"/>
       <dgm:spPr/>
-      <dgm:t>
-        <a:bodyPr/>
-        <a:lstStyle/>
-        <a:p>
-          <a:endParaRPr lang="en-US"/>
-        </a:p>
-      </dgm:t>
     </dgm:pt>
     <dgm:pt modelId="{145C4EA8-3B1D-4366-9E7E-7143BF4960FB}" type="pres">
       <dgm:prSet presAssocID="{5015CB73-85FC-41AE-A0D2-DF6BF1930027}" presName="composite" presStyleCnt="0"/>
       <dgm:spPr/>
-      <dgm:t>
-        <a:bodyPr/>
-        <a:lstStyle/>
-        <a:p>
-          <a:endParaRPr lang="en-IN"/>
-        </a:p>
-      </dgm:t>
     </dgm:pt>
     <dgm:pt modelId="{F7652381-304B-4FAF-923C-62D7C59B75C8}" type="pres">
       <dgm:prSet presAssocID="{5015CB73-85FC-41AE-A0D2-DF6BF1930027}" presName="parTx" presStyleLbl="node1" presStyleIdx="0" presStyleCnt="3">
@@ -4129,24 +4001,10 @@
         </dgm:presLayoutVars>
       </dgm:prSet>
       <dgm:spPr/>
-      <dgm:t>
-        <a:bodyPr/>
-        <a:lstStyle/>
-        <a:p>
-          <a:endParaRPr lang="en-US"/>
-        </a:p>
-      </dgm:t>
     </dgm:pt>
     <dgm:pt modelId="{E70456B9-E766-4D27-B49A-E88BF9F06BAC}" type="pres">
       <dgm:prSet presAssocID="{5015CB73-85FC-41AE-A0D2-DF6BF1930027}" presName="parSh" presStyleLbl="node1" presStyleIdx="1" presStyleCnt="3" custLinFactNeighborX="578" custLinFactNeighborY="-1480"/>
       <dgm:spPr/>
-      <dgm:t>
-        <a:bodyPr/>
-        <a:lstStyle/>
-        <a:p>
-          <a:endParaRPr lang="en-US"/>
-        </a:p>
-      </dgm:t>
     </dgm:pt>
     <dgm:pt modelId="{D834B727-4A22-4F52-88A3-1BFBFB5D1104}" type="pres">
       <dgm:prSet presAssocID="{5015CB73-85FC-41AE-A0D2-DF6BF1930027}" presName="desTx" presStyleLbl="fgAcc1" presStyleIdx="1" presStyleCnt="3" custLinFactNeighborX="-8098" custLinFactNeighborY="608">
@@ -4155,46 +4013,18 @@
         </dgm:presLayoutVars>
       </dgm:prSet>
       <dgm:spPr/>
-      <dgm:t>
-        <a:bodyPr/>
-        <a:lstStyle/>
-        <a:p>
-          <a:endParaRPr lang="en-US"/>
-        </a:p>
-      </dgm:t>
     </dgm:pt>
     <dgm:pt modelId="{B5F947B8-D7BD-424D-940C-65A009B10CAC}" type="pres">
       <dgm:prSet presAssocID="{746AB0C7-0F26-42B0-9448-25175C3A8D35}" presName="sibTrans" presStyleLbl="sibTrans2D1" presStyleIdx="1" presStyleCnt="2"/>
       <dgm:spPr/>
-      <dgm:t>
-        <a:bodyPr/>
-        <a:lstStyle/>
-        <a:p>
-          <a:endParaRPr lang="en-US"/>
-        </a:p>
-      </dgm:t>
     </dgm:pt>
     <dgm:pt modelId="{3B09E00A-B931-4E14-91D4-E4A8DB7ADC8E}" type="pres">
       <dgm:prSet presAssocID="{746AB0C7-0F26-42B0-9448-25175C3A8D35}" presName="connTx" presStyleLbl="sibTrans2D1" presStyleIdx="1" presStyleCnt="2"/>
       <dgm:spPr/>
-      <dgm:t>
-        <a:bodyPr/>
-        <a:lstStyle/>
-        <a:p>
-          <a:endParaRPr lang="en-US"/>
-        </a:p>
-      </dgm:t>
     </dgm:pt>
     <dgm:pt modelId="{5D7DAB73-8355-4E0F-B95B-4D3251DF5B72}" type="pres">
       <dgm:prSet presAssocID="{65AF2DA7-DE9A-4C8A-A697-15B772B9A812}" presName="composite" presStyleCnt="0"/>
       <dgm:spPr/>
-      <dgm:t>
-        <a:bodyPr/>
-        <a:lstStyle/>
-        <a:p>
-          <a:endParaRPr lang="en-IN"/>
-        </a:p>
-      </dgm:t>
     </dgm:pt>
     <dgm:pt modelId="{95D615DE-7880-4BBC-9F58-C2102A6BF78A}" type="pres">
       <dgm:prSet presAssocID="{65AF2DA7-DE9A-4C8A-A697-15B772B9A812}" presName="parTx" presStyleLbl="node1" presStyleIdx="1" presStyleCnt="3">
@@ -4205,24 +4035,10 @@
         </dgm:presLayoutVars>
       </dgm:prSet>
       <dgm:spPr/>
-      <dgm:t>
-        <a:bodyPr/>
-        <a:lstStyle/>
-        <a:p>
-          <a:endParaRPr lang="en-US"/>
-        </a:p>
-      </dgm:t>
     </dgm:pt>
     <dgm:pt modelId="{98511527-24A4-4B41-BE64-76279F1B5F9D}" type="pres">
       <dgm:prSet presAssocID="{65AF2DA7-DE9A-4C8A-A697-15B772B9A812}" presName="parSh" presStyleLbl="node1" presStyleIdx="2" presStyleCnt="3"/>
       <dgm:spPr/>
-      <dgm:t>
-        <a:bodyPr/>
-        <a:lstStyle/>
-        <a:p>
-          <a:endParaRPr lang="en-US"/>
-        </a:p>
-      </dgm:t>
     </dgm:pt>
     <dgm:pt modelId="{94D68C7C-30CF-450B-B4DB-6485D04A0238}" type="pres">
       <dgm:prSet presAssocID="{65AF2DA7-DE9A-4C8A-A697-15B772B9A812}" presName="desTx" presStyleLbl="fgAcc1" presStyleIdx="2" presStyleCnt="3" custLinFactNeighborX="-9833" custLinFactNeighborY="3647">
@@ -4231,13 +4047,6 @@
         </dgm:presLayoutVars>
       </dgm:prSet>
       <dgm:spPr/>
-      <dgm:t>
-        <a:bodyPr/>
-        <a:lstStyle/>
-        <a:p>
-          <a:endParaRPr lang="en-US"/>
-        </a:p>
-      </dgm:t>
     </dgm:pt>
   </dgm:ptLst>
   <dgm:cxnLst>
@@ -4254,8 +4063,8 @@
     <dgm:cxn modelId="{AE50D30E-7EBF-4F3E-A519-9191C46116A5}" type="presOf" srcId="{C8D8E366-490C-4160-ABC2-B91C7BE789F3}" destId="{10AF15A4-0824-4EF0-80DF-FFD0C1841F2A}" srcOrd="0" destOrd="0" presId="urn:microsoft.com/office/officeart/2005/8/layout/process3"/>
     <dgm:cxn modelId="{57FAF09E-4E39-4DD0-9C7A-E44915BA5978}" type="presOf" srcId="{CFE36131-A870-46BA-89D8-ED64F92D88F4}" destId="{1F4C4EDF-DA0C-47C8-8F6C-F1DB95DEA925}" srcOrd="1" destOrd="0" presId="urn:microsoft.com/office/officeart/2005/8/layout/process3"/>
     <dgm:cxn modelId="{AED50363-31B6-44A4-9BAF-C17D1F4C3F1D}" type="presOf" srcId="{2A50B910-E4E5-4A06-A2AD-7066AE4C068D}" destId="{D834B727-4A22-4F52-88A3-1BFBFB5D1104}" srcOrd="0" destOrd="0" presId="urn:microsoft.com/office/officeart/2005/8/layout/process3"/>
+    <dgm:cxn modelId="{1783AB4D-B585-497A-8464-C6CD2EBAFB0E}" srcId="{C8D8E366-490C-4160-ABC2-B91C7BE789F3}" destId="{5015CB73-85FC-41AE-A0D2-DF6BF1930027}" srcOrd="1" destOrd="0" parTransId="{BE55BC2F-73DA-49DB-A636-F6115EF50599}" sibTransId="{746AB0C7-0F26-42B0-9448-25175C3A8D35}"/>
     <dgm:cxn modelId="{14468E43-AA68-4495-97BE-210833FCE3C9}" type="presOf" srcId="{746AB0C7-0F26-42B0-9448-25175C3A8D35}" destId="{3B09E00A-B931-4E14-91D4-E4A8DB7ADC8E}" srcOrd="1" destOrd="0" presId="urn:microsoft.com/office/officeart/2005/8/layout/process3"/>
-    <dgm:cxn modelId="{1783AB4D-B585-497A-8464-C6CD2EBAFB0E}" srcId="{C8D8E366-490C-4160-ABC2-B91C7BE789F3}" destId="{5015CB73-85FC-41AE-A0D2-DF6BF1930027}" srcOrd="1" destOrd="0" parTransId="{BE55BC2F-73DA-49DB-A636-F6115EF50599}" sibTransId="{746AB0C7-0F26-42B0-9448-25175C3A8D35}"/>
     <dgm:cxn modelId="{18FCA035-316F-4926-83B1-12AA2A8AD05C}" type="presOf" srcId="{C3DF3651-4BC8-4193-BD3A-A4098AD4F891}" destId="{141D56F9-5C24-491C-AB6B-8628901665E9}" srcOrd="0" destOrd="0" presId="urn:microsoft.com/office/officeart/2005/8/layout/process3"/>
     <dgm:cxn modelId="{A5CD5715-5BE6-4E12-A943-689265554FF2}" srcId="{5015CB73-85FC-41AE-A0D2-DF6BF1930027}" destId="{2A50B910-E4E5-4A06-A2AD-7066AE4C068D}" srcOrd="0" destOrd="0" parTransId="{32A91D5E-3CCE-4362-9EAA-3840C2CE017C}" sibTransId="{1C674775-FB78-430C-BCFD-7E24C3DD79B7}"/>
     <dgm:cxn modelId="{014B1584-6FB2-41C9-B461-BF7F07A8053A}" type="presOf" srcId="{746AB0C7-0F26-42B0-9448-25175C3A8D35}" destId="{B5F947B8-D7BD-424D-940C-65A009B10CAC}" srcOrd="0" destOrd="0" presId="urn:microsoft.com/office/officeart/2005/8/layout/process3"/>
@@ -4303,8 +4112,8 @@
       </dsp:nvSpPr>
       <dsp:spPr>
         <a:xfrm>
-          <a:off x="278584" y="1185177"/>
-          <a:ext cx="5615219" cy="963248"/>
+          <a:off x="244263" y="1537653"/>
+          <a:ext cx="6066513" cy="1114322"/>
         </a:xfrm>
         <a:prstGeom prst="roundRect">
           <a:avLst/>
@@ -4347,12 +4156,12 @@
         </a:fontRef>
       </dsp:style>
       <dsp:txBody>
-        <a:bodyPr spcFirstLastPara="0" vert="horz" wrap="square" lIns="118110" tIns="118110" rIns="118110" bIns="118110" numCol="1" spcCol="1270" anchor="ctr" anchorCtr="0">
+        <a:bodyPr spcFirstLastPara="0" vert="horz" wrap="square" lIns="133350" tIns="133350" rIns="133350" bIns="133350" numCol="1" spcCol="1270" anchor="ctr" anchorCtr="0">
           <a:noAutofit/>
         </a:bodyPr>
         <a:lstStyle/>
         <a:p>
-          <a:pPr lvl="0" algn="l" defTabSz="1377950" rtl="0">
+          <a:pPr marL="0" lvl="0" indent="0" algn="l" defTabSz="1555750" rtl="0">
             <a:lnSpc>
               <a:spcPct val="90000"/>
             </a:lnSpc>
@@ -4362,17 +4171,18 @@
             <a:spcAft>
               <a:spcPct val="35000"/>
             </a:spcAft>
+            <a:buNone/>
           </a:pPr>
           <a:r>
-            <a:rPr lang="en-IN" sz="3100" b="1" kern="1200" dirty="0" smtClean="0"/>
-            <a:t>WIRELESS HOME AUTOMATION </a:t>
+            <a:rPr lang="en-IN" sz="3500" b="1" kern="1200" dirty="0"/>
+            <a:t>WIRELESS DOMOTICS ASSISTANCE</a:t>
           </a:r>
-          <a:endParaRPr lang="en-IN" sz="3100" kern="1200" dirty="0"/>
+          <a:endParaRPr lang="en-IN" sz="3500" kern="1200" dirty="0"/>
         </a:p>
       </dsp:txBody>
       <dsp:txXfrm>
-        <a:off x="325606" y="1232199"/>
-        <a:ext cx="5521175" cy="869204"/>
+        <a:off x="298660" y="1592050"/>
+        <a:ext cx="5957719" cy="1005528"/>
       </dsp:txXfrm>
     </dsp:sp>
   </dsp:spTree>
@@ -4455,7 +4265,7 @@
         </a:bodyPr>
         <a:lstStyle/>
         <a:p>
-          <a:pPr lvl="0" algn="l" defTabSz="1066800" rtl="0">
+          <a:pPr marL="0" lvl="0" indent="0" algn="l" defTabSz="1066800" rtl="0">
             <a:lnSpc>
               <a:spcPct val="90000"/>
             </a:lnSpc>
@@ -4465,12 +4275,12 @@
             <a:spcAft>
               <a:spcPct val="35000"/>
             </a:spcAft>
+            <a:buNone/>
           </a:pPr>
           <a:r>
-            <a:rPr lang="en-IN" sz="2400" b="1" kern="1200" dirty="0" smtClean="0"/>
+            <a:rPr lang="en-IN" sz="2400" b="1" kern="1200" dirty="0"/>
             <a:t>PRESENTED BY :-</a:t>
           </a:r>
-          <a:endParaRPr lang="en-IN" sz="2400" b="1" kern="1200" dirty="0"/>
         </a:p>
       </dsp:txBody>
       <dsp:txXfrm>
@@ -4534,7 +4344,7 @@
         </a:bodyPr>
         <a:lstStyle/>
         <a:p>
-          <a:pPr lvl="0" algn="l" defTabSz="1066800" rtl="0">
+          <a:pPr marL="0" lvl="0" indent="0" algn="l" defTabSz="1066800" rtl="0">
             <a:lnSpc>
               <a:spcPct val="90000"/>
             </a:lnSpc>
@@ -4544,12 +4354,12 @@
             <a:spcAft>
               <a:spcPct val="35000"/>
             </a:spcAft>
+            <a:buNone/>
           </a:pPr>
           <a:r>
-            <a:rPr lang="en-IN" sz="2400" kern="1200" dirty="0" smtClean="0"/>
+            <a:rPr lang="en-IN" sz="2400" kern="1200" dirty="0"/>
             <a:t>MANAS JAIN</a:t>
           </a:r>
-          <a:endParaRPr lang="en-IN" sz="2400" kern="1200" dirty="0"/>
         </a:p>
       </dsp:txBody>
       <dsp:txXfrm>
@@ -4613,7 +4423,7 @@
         </a:bodyPr>
         <a:lstStyle/>
         <a:p>
-          <a:pPr lvl="0" algn="l" defTabSz="1066800" rtl="0">
+          <a:pPr marL="0" lvl="0" indent="0" algn="l" defTabSz="1066800" rtl="0">
             <a:lnSpc>
               <a:spcPct val="90000"/>
             </a:lnSpc>
@@ -4623,12 +4433,12 @@
             <a:spcAft>
               <a:spcPct val="35000"/>
             </a:spcAft>
+            <a:buNone/>
           </a:pPr>
           <a:r>
-            <a:rPr lang="en-IN" sz="2400" kern="1200" dirty="0" smtClean="0"/>
+            <a:rPr lang="en-IN" sz="2400" kern="1200" dirty="0"/>
             <a:t>UDDESHYA MISHRA</a:t>
           </a:r>
-          <a:endParaRPr lang="en-IN" sz="2400" kern="1200" dirty="0"/>
         </a:p>
       </dsp:txBody>
       <dsp:txXfrm>
@@ -4648,6 +4458,757 @@
       <dsp:cNvGrpSpPr/>
     </dsp:nvGrpSpPr>
     <dsp:grpSpPr/>
+    <dsp:sp modelId="{1F4C4EDF-DA0C-47C8-8F6C-F1DB95DEA925}">
+      <dsp:nvSpPr>
+        <dsp:cNvPr id="0" name=""/>
+        <dsp:cNvSpPr/>
+      </dsp:nvSpPr>
+      <dsp:spPr>
+        <a:xfrm>
+          <a:off x="41488" y="1136272"/>
+          <a:ext cx="2432035" cy="950400"/>
+        </a:xfrm>
+        <a:prstGeom prst="roundRect">
+          <a:avLst>
+            <a:gd name="adj" fmla="val 10000"/>
+          </a:avLst>
+        </a:prstGeom>
+        <a:gradFill rotWithShape="0">
+          <a:gsLst>
+            <a:gs pos="0">
+              <a:schemeClr val="accent1">
+                <a:hueOff val="0"/>
+                <a:satOff val="0"/>
+                <a:lumOff val="0"/>
+                <a:alphaOff val="0"/>
+                <a:tint val="100000"/>
+                <a:satMod val="103000"/>
+                <a:lumMod val="102000"/>
+              </a:schemeClr>
+            </a:gs>
+            <a:gs pos="50000">
+              <a:schemeClr val="accent1">
+                <a:hueOff val="0"/>
+                <a:satOff val="0"/>
+                <a:lumOff val="0"/>
+                <a:alphaOff val="0"/>
+                <a:shade val="100000"/>
+                <a:satMod val="110000"/>
+                <a:lumMod val="100000"/>
+              </a:schemeClr>
+            </a:gs>
+            <a:gs pos="100000">
+              <a:schemeClr val="accent1">
+                <a:hueOff val="0"/>
+                <a:satOff val="0"/>
+                <a:lumOff val="0"/>
+                <a:alphaOff val="0"/>
+                <a:shade val="70000"/>
+                <a:satMod val="120000"/>
+                <a:lumMod val="99000"/>
+              </a:schemeClr>
+            </a:gs>
+          </a:gsLst>
+          <a:path path="circle">
+            <a:fillToRect l="100000" t="100000" r="100000" b="100000"/>
+          </a:path>
+        </a:gradFill>
+        <a:ln>
+          <a:noFill/>
+        </a:ln>
+        <a:effectLst/>
+      </dsp:spPr>
+      <dsp:style>
+        <a:lnRef idx="0">
+          <a:scrgbClr r="0" g="0" b="0"/>
+        </a:lnRef>
+        <a:fillRef idx="3">
+          <a:scrgbClr r="0" g="0" b="0"/>
+        </a:fillRef>
+        <a:effectRef idx="2">
+          <a:scrgbClr r="0" g="0" b="0"/>
+        </a:effectRef>
+        <a:fontRef idx="minor">
+          <a:schemeClr val="lt1"/>
+        </a:fontRef>
+      </dsp:style>
+      <dsp:txBody>
+        <a:bodyPr spcFirstLastPara="0" vert="horz" wrap="square" lIns="156464" tIns="156464" rIns="156464" bIns="83820" numCol="1" spcCol="1270" anchor="t" anchorCtr="0">
+          <a:noAutofit/>
+        </a:bodyPr>
+        <a:lstStyle/>
+        <a:p>
+          <a:pPr marL="0" lvl="0" indent="0" algn="l" defTabSz="977900">
+            <a:lnSpc>
+              <a:spcPct val="90000"/>
+            </a:lnSpc>
+            <a:spcBef>
+              <a:spcPct val="0"/>
+            </a:spcBef>
+            <a:spcAft>
+              <a:spcPct val="35000"/>
+            </a:spcAft>
+            <a:buNone/>
+          </a:pPr>
+          <a:r>
+            <a:rPr lang="en-US" sz="2200" kern="1200" dirty="0"/>
+            <a:t>INPUT</a:t>
+          </a:r>
+        </a:p>
+      </dsp:txBody>
+      <dsp:txXfrm>
+        <a:off x="41488" y="1136272"/>
+        <a:ext cx="2432035" cy="633600"/>
+      </dsp:txXfrm>
+    </dsp:sp>
+    <dsp:sp modelId="{09D9D31D-B0AC-4142-BE75-3511A841487F}">
+      <dsp:nvSpPr>
+        <dsp:cNvPr id="0" name=""/>
+        <dsp:cNvSpPr/>
+      </dsp:nvSpPr>
+      <dsp:spPr>
+        <a:xfrm>
+          <a:off x="520914" y="1807522"/>
+          <a:ext cx="2432035" cy="2314124"/>
+        </a:xfrm>
+        <a:prstGeom prst="roundRect">
+          <a:avLst>
+            <a:gd name="adj" fmla="val 10000"/>
+          </a:avLst>
+        </a:prstGeom>
+        <a:solidFill>
+          <a:schemeClr val="lt1">
+            <a:alpha val="90000"/>
+            <a:hueOff val="0"/>
+            <a:satOff val="0"/>
+            <a:lumOff val="0"/>
+            <a:alphaOff val="0"/>
+          </a:schemeClr>
+        </a:solidFill>
+        <a:ln w="6350" cap="flat" cmpd="sng" algn="in">
+          <a:solidFill>
+            <a:schemeClr val="accent1">
+              <a:hueOff val="0"/>
+              <a:satOff val="0"/>
+              <a:lumOff val="0"/>
+              <a:alphaOff val="0"/>
+            </a:schemeClr>
+          </a:solidFill>
+          <a:prstDash val="solid"/>
+        </a:ln>
+        <a:effectLst/>
+      </dsp:spPr>
+      <dsp:style>
+        <a:lnRef idx="1">
+          <a:scrgbClr r="0" g="0" b="0"/>
+        </a:lnRef>
+        <a:fillRef idx="1">
+          <a:scrgbClr r="0" g="0" b="0"/>
+        </a:fillRef>
+        <a:effectRef idx="0">
+          <a:scrgbClr r="0" g="0" b="0"/>
+        </a:effectRef>
+        <a:fontRef idx="minor"/>
+      </dsp:style>
+      <dsp:txBody>
+        <a:bodyPr spcFirstLastPara="0" vert="horz" wrap="square" lIns="156464" tIns="156464" rIns="156464" bIns="156464" numCol="1" spcCol="1270" anchor="t" anchorCtr="0">
+          <a:noAutofit/>
+        </a:bodyPr>
+        <a:lstStyle/>
+        <a:p>
+          <a:pPr marL="228600" lvl="1" indent="-228600" algn="l" defTabSz="977900">
+            <a:lnSpc>
+              <a:spcPct val="90000"/>
+            </a:lnSpc>
+            <a:spcBef>
+              <a:spcPct val="0"/>
+            </a:spcBef>
+            <a:spcAft>
+              <a:spcPct val="15000"/>
+            </a:spcAft>
+            <a:buChar char="•"/>
+          </a:pPr>
+          <a:r>
+            <a:rPr lang="en-US" sz="2200" kern="1200" dirty="0"/>
+            <a:t>Takes input through its input pins</a:t>
+          </a:r>
+        </a:p>
+      </dsp:txBody>
+      <dsp:txXfrm>
+        <a:off x="588692" y="1875300"/>
+        <a:ext cx="2296479" cy="2178568"/>
+      </dsp:txXfrm>
+    </dsp:sp>
+    <dsp:sp modelId="{141D56F9-5C24-491C-AB6B-8628901665E9}">
+      <dsp:nvSpPr>
+        <dsp:cNvPr id="0" name=""/>
+        <dsp:cNvSpPr/>
+      </dsp:nvSpPr>
+      <dsp:spPr>
+        <a:xfrm rot="21587552">
+          <a:off x="2836689" y="1143206"/>
+          <a:ext cx="769919" cy="605506"/>
+        </a:xfrm>
+        <a:prstGeom prst="rightArrow">
+          <a:avLst>
+            <a:gd name="adj1" fmla="val 60000"/>
+            <a:gd name="adj2" fmla="val 50000"/>
+          </a:avLst>
+        </a:prstGeom>
+        <a:gradFill rotWithShape="0">
+          <a:gsLst>
+            <a:gs pos="0">
+              <a:schemeClr val="accent1">
+                <a:tint val="60000"/>
+                <a:hueOff val="0"/>
+                <a:satOff val="0"/>
+                <a:lumOff val="0"/>
+                <a:alphaOff val="0"/>
+                <a:tint val="100000"/>
+                <a:satMod val="103000"/>
+                <a:lumMod val="102000"/>
+              </a:schemeClr>
+            </a:gs>
+            <a:gs pos="50000">
+              <a:schemeClr val="accent1">
+                <a:tint val="60000"/>
+                <a:hueOff val="0"/>
+                <a:satOff val="0"/>
+                <a:lumOff val="0"/>
+                <a:alphaOff val="0"/>
+                <a:shade val="100000"/>
+                <a:satMod val="110000"/>
+                <a:lumMod val="100000"/>
+              </a:schemeClr>
+            </a:gs>
+            <a:gs pos="100000">
+              <a:schemeClr val="accent1">
+                <a:tint val="60000"/>
+                <a:hueOff val="0"/>
+                <a:satOff val="0"/>
+                <a:lumOff val="0"/>
+                <a:alphaOff val="0"/>
+                <a:shade val="70000"/>
+                <a:satMod val="120000"/>
+                <a:lumMod val="99000"/>
+              </a:schemeClr>
+            </a:gs>
+          </a:gsLst>
+          <a:path path="circle">
+            <a:fillToRect l="100000" t="100000" r="100000" b="100000"/>
+          </a:path>
+        </a:gradFill>
+        <a:ln>
+          <a:noFill/>
+        </a:ln>
+        <a:effectLst/>
+      </dsp:spPr>
+      <dsp:style>
+        <a:lnRef idx="0">
+          <a:scrgbClr r="0" g="0" b="0"/>
+        </a:lnRef>
+        <a:fillRef idx="3">
+          <a:scrgbClr r="0" g="0" b="0"/>
+        </a:fillRef>
+        <a:effectRef idx="2">
+          <a:scrgbClr r="0" g="0" b="0"/>
+        </a:effectRef>
+        <a:fontRef idx="minor">
+          <a:schemeClr val="lt1"/>
+        </a:fontRef>
+      </dsp:style>
+      <dsp:txBody>
+        <a:bodyPr spcFirstLastPara="0" vert="horz" wrap="square" lIns="0" tIns="0" rIns="0" bIns="0" numCol="1" spcCol="1270" anchor="ctr" anchorCtr="0">
+          <a:noAutofit/>
+        </a:bodyPr>
+        <a:lstStyle/>
+        <a:p>
+          <a:pPr marL="0" lvl="0" indent="0" algn="ctr" defTabSz="800100">
+            <a:lnSpc>
+              <a:spcPct val="90000"/>
+            </a:lnSpc>
+            <a:spcBef>
+              <a:spcPct val="0"/>
+            </a:spcBef>
+            <a:spcAft>
+              <a:spcPct val="35000"/>
+            </a:spcAft>
+            <a:buNone/>
+          </a:pPr>
+          <a:endParaRPr lang="en-US" sz="1800" kern="1200"/>
+        </a:p>
+      </dsp:txBody>
+      <dsp:txXfrm>
+        <a:off x="2836690" y="1264636"/>
+        <a:ext cx="588267" cy="363304"/>
+      </dsp:txXfrm>
+    </dsp:sp>
+    <dsp:sp modelId="{E70456B9-E766-4D27-B49A-E88BF9F06BAC}">
+      <dsp:nvSpPr>
+        <dsp:cNvPr id="0" name=""/>
+        <dsp:cNvSpPr/>
+      </dsp:nvSpPr>
+      <dsp:spPr>
+        <a:xfrm>
+          <a:off x="3926193" y="1122206"/>
+          <a:ext cx="2432035" cy="950400"/>
+        </a:xfrm>
+        <a:prstGeom prst="roundRect">
+          <a:avLst>
+            <a:gd name="adj" fmla="val 10000"/>
+          </a:avLst>
+        </a:prstGeom>
+        <a:gradFill rotWithShape="0">
+          <a:gsLst>
+            <a:gs pos="0">
+              <a:schemeClr val="accent1">
+                <a:hueOff val="0"/>
+                <a:satOff val="0"/>
+                <a:lumOff val="0"/>
+                <a:alphaOff val="0"/>
+                <a:tint val="100000"/>
+                <a:satMod val="103000"/>
+                <a:lumMod val="102000"/>
+              </a:schemeClr>
+            </a:gs>
+            <a:gs pos="50000">
+              <a:schemeClr val="accent1">
+                <a:hueOff val="0"/>
+                <a:satOff val="0"/>
+                <a:lumOff val="0"/>
+                <a:alphaOff val="0"/>
+                <a:shade val="100000"/>
+                <a:satMod val="110000"/>
+                <a:lumMod val="100000"/>
+              </a:schemeClr>
+            </a:gs>
+            <a:gs pos="100000">
+              <a:schemeClr val="accent1">
+                <a:hueOff val="0"/>
+                <a:satOff val="0"/>
+                <a:lumOff val="0"/>
+                <a:alphaOff val="0"/>
+                <a:shade val="70000"/>
+                <a:satMod val="120000"/>
+                <a:lumMod val="99000"/>
+              </a:schemeClr>
+            </a:gs>
+          </a:gsLst>
+          <a:path path="circle">
+            <a:fillToRect l="100000" t="100000" r="100000" b="100000"/>
+          </a:path>
+        </a:gradFill>
+        <a:ln>
+          <a:noFill/>
+        </a:ln>
+        <a:effectLst/>
+      </dsp:spPr>
+      <dsp:style>
+        <a:lnRef idx="0">
+          <a:scrgbClr r="0" g="0" b="0"/>
+        </a:lnRef>
+        <a:fillRef idx="3">
+          <a:scrgbClr r="0" g="0" b="0"/>
+        </a:fillRef>
+        <a:effectRef idx="2">
+          <a:scrgbClr r="0" g="0" b="0"/>
+        </a:effectRef>
+        <a:fontRef idx="minor">
+          <a:schemeClr val="lt1"/>
+        </a:fontRef>
+      </dsp:style>
+      <dsp:txBody>
+        <a:bodyPr spcFirstLastPara="0" vert="horz" wrap="square" lIns="156464" tIns="156464" rIns="156464" bIns="83820" numCol="1" spcCol="1270" anchor="t" anchorCtr="0">
+          <a:noAutofit/>
+        </a:bodyPr>
+        <a:lstStyle/>
+        <a:p>
+          <a:pPr marL="0" lvl="0" indent="0" algn="l" defTabSz="977900">
+            <a:lnSpc>
+              <a:spcPct val="90000"/>
+            </a:lnSpc>
+            <a:spcBef>
+              <a:spcPct val="0"/>
+            </a:spcBef>
+            <a:spcAft>
+              <a:spcPct val="35000"/>
+            </a:spcAft>
+            <a:buNone/>
+          </a:pPr>
+          <a:r>
+            <a:rPr lang="en-US" sz="2200" kern="1200" dirty="0"/>
+            <a:t>PROCESS</a:t>
+          </a:r>
+        </a:p>
+      </dsp:txBody>
+      <dsp:txXfrm>
+        <a:off x="3926193" y="1122206"/>
+        <a:ext cx="2432035" cy="633600"/>
+      </dsp:txXfrm>
+    </dsp:sp>
+    <dsp:sp modelId="{D834B727-4A22-4F52-88A3-1BFBFB5D1104}">
+      <dsp:nvSpPr>
+        <dsp:cNvPr id="0" name=""/>
+        <dsp:cNvSpPr/>
+      </dsp:nvSpPr>
+      <dsp:spPr>
+        <a:xfrm>
+          <a:off x="4213317" y="1783941"/>
+          <a:ext cx="2432035" cy="2314124"/>
+        </a:xfrm>
+        <a:prstGeom prst="roundRect">
+          <a:avLst>
+            <a:gd name="adj" fmla="val 10000"/>
+          </a:avLst>
+        </a:prstGeom>
+        <a:solidFill>
+          <a:schemeClr val="lt1">
+            <a:alpha val="90000"/>
+            <a:hueOff val="0"/>
+            <a:satOff val="0"/>
+            <a:lumOff val="0"/>
+            <a:alphaOff val="0"/>
+          </a:schemeClr>
+        </a:solidFill>
+        <a:ln w="6350" cap="flat" cmpd="sng" algn="in">
+          <a:solidFill>
+            <a:schemeClr val="accent1">
+              <a:hueOff val="0"/>
+              <a:satOff val="0"/>
+              <a:lumOff val="0"/>
+              <a:alphaOff val="0"/>
+            </a:schemeClr>
+          </a:solidFill>
+          <a:prstDash val="solid"/>
+        </a:ln>
+        <a:effectLst/>
+      </dsp:spPr>
+      <dsp:style>
+        <a:lnRef idx="1">
+          <a:scrgbClr r="0" g="0" b="0"/>
+        </a:lnRef>
+        <a:fillRef idx="1">
+          <a:scrgbClr r="0" g="0" b="0"/>
+        </a:fillRef>
+        <a:effectRef idx="0">
+          <a:scrgbClr r="0" g="0" b="0"/>
+        </a:effectRef>
+        <a:fontRef idx="minor"/>
+      </dsp:style>
+      <dsp:txBody>
+        <a:bodyPr spcFirstLastPara="0" vert="horz" wrap="square" lIns="156464" tIns="156464" rIns="156464" bIns="156464" numCol="1" spcCol="1270" anchor="t" anchorCtr="0">
+          <a:noAutofit/>
+        </a:bodyPr>
+        <a:lstStyle/>
+        <a:p>
+          <a:pPr marL="228600" lvl="1" indent="-228600" algn="l" defTabSz="977900">
+            <a:lnSpc>
+              <a:spcPct val="90000"/>
+            </a:lnSpc>
+            <a:spcBef>
+              <a:spcPct val="0"/>
+            </a:spcBef>
+            <a:spcAft>
+              <a:spcPct val="15000"/>
+            </a:spcAft>
+            <a:buChar char="•"/>
+          </a:pPr>
+          <a:r>
+            <a:rPr lang="en-US" sz="2200" kern="1200" dirty="0"/>
+            <a:t>Decides the output corresponding to the input based on the program</a:t>
+          </a:r>
+        </a:p>
+      </dsp:txBody>
+      <dsp:txXfrm>
+        <a:off x="4281095" y="1851719"/>
+        <a:ext cx="2296479" cy="2178568"/>
+      </dsp:txXfrm>
+    </dsp:sp>
+    <dsp:sp modelId="{B5F947B8-D7BD-424D-940C-65A009B10CAC}">
+      <dsp:nvSpPr>
+        <dsp:cNvPr id="0" name=""/>
+        <dsp:cNvSpPr/>
+      </dsp:nvSpPr>
+      <dsp:spPr>
+        <a:xfrm rot="12422">
+          <a:off x="6723400" y="1143364"/>
+          <a:ext cx="774172" cy="605506"/>
+        </a:xfrm>
+        <a:prstGeom prst="rightArrow">
+          <a:avLst>
+            <a:gd name="adj1" fmla="val 60000"/>
+            <a:gd name="adj2" fmla="val 50000"/>
+          </a:avLst>
+        </a:prstGeom>
+        <a:gradFill rotWithShape="0">
+          <a:gsLst>
+            <a:gs pos="0">
+              <a:schemeClr val="accent1">
+                <a:tint val="60000"/>
+                <a:hueOff val="0"/>
+                <a:satOff val="0"/>
+                <a:lumOff val="0"/>
+                <a:alphaOff val="0"/>
+                <a:tint val="100000"/>
+                <a:satMod val="103000"/>
+                <a:lumMod val="102000"/>
+              </a:schemeClr>
+            </a:gs>
+            <a:gs pos="50000">
+              <a:schemeClr val="accent1">
+                <a:tint val="60000"/>
+                <a:hueOff val="0"/>
+                <a:satOff val="0"/>
+                <a:lumOff val="0"/>
+                <a:alphaOff val="0"/>
+                <a:shade val="100000"/>
+                <a:satMod val="110000"/>
+                <a:lumMod val="100000"/>
+              </a:schemeClr>
+            </a:gs>
+            <a:gs pos="100000">
+              <a:schemeClr val="accent1">
+                <a:tint val="60000"/>
+                <a:hueOff val="0"/>
+                <a:satOff val="0"/>
+                <a:lumOff val="0"/>
+                <a:alphaOff val="0"/>
+                <a:shade val="70000"/>
+                <a:satMod val="120000"/>
+                <a:lumMod val="99000"/>
+              </a:schemeClr>
+            </a:gs>
+          </a:gsLst>
+          <a:path path="circle">
+            <a:fillToRect l="100000" t="100000" r="100000" b="100000"/>
+          </a:path>
+        </a:gradFill>
+        <a:ln>
+          <a:noFill/>
+        </a:ln>
+        <a:effectLst/>
+      </dsp:spPr>
+      <dsp:style>
+        <a:lnRef idx="0">
+          <a:scrgbClr r="0" g="0" b="0"/>
+        </a:lnRef>
+        <a:fillRef idx="3">
+          <a:scrgbClr r="0" g="0" b="0"/>
+        </a:fillRef>
+        <a:effectRef idx="2">
+          <a:scrgbClr r="0" g="0" b="0"/>
+        </a:effectRef>
+        <a:fontRef idx="minor">
+          <a:schemeClr val="lt1"/>
+        </a:fontRef>
+      </dsp:style>
+      <dsp:txBody>
+        <a:bodyPr spcFirstLastPara="0" vert="horz" wrap="square" lIns="0" tIns="0" rIns="0" bIns="0" numCol="1" spcCol="1270" anchor="ctr" anchorCtr="0">
+          <a:noAutofit/>
+        </a:bodyPr>
+        <a:lstStyle/>
+        <a:p>
+          <a:pPr marL="0" lvl="0" indent="0" algn="ctr" defTabSz="800100">
+            <a:lnSpc>
+              <a:spcPct val="90000"/>
+            </a:lnSpc>
+            <a:spcBef>
+              <a:spcPct val="0"/>
+            </a:spcBef>
+            <a:spcAft>
+              <a:spcPct val="35000"/>
+            </a:spcAft>
+            <a:buNone/>
+          </a:pPr>
+          <a:endParaRPr lang="en-US" sz="1800" kern="1200"/>
+        </a:p>
+      </dsp:txBody>
+      <dsp:txXfrm>
+        <a:off x="6723401" y="1264137"/>
+        <a:ext cx="592520" cy="363304"/>
+      </dsp:txXfrm>
+    </dsp:sp>
+    <dsp:sp modelId="{98511527-24A4-4B41-BE64-76279F1B5F9D}">
+      <dsp:nvSpPr>
+        <dsp:cNvPr id="0" name=""/>
+        <dsp:cNvSpPr/>
+      </dsp:nvSpPr>
+      <dsp:spPr>
+        <a:xfrm>
+          <a:off x="7818923" y="1136272"/>
+          <a:ext cx="2432035" cy="950400"/>
+        </a:xfrm>
+        <a:prstGeom prst="roundRect">
+          <a:avLst>
+            <a:gd name="adj" fmla="val 10000"/>
+          </a:avLst>
+        </a:prstGeom>
+        <a:gradFill rotWithShape="0">
+          <a:gsLst>
+            <a:gs pos="0">
+              <a:schemeClr val="accent1">
+                <a:hueOff val="0"/>
+                <a:satOff val="0"/>
+                <a:lumOff val="0"/>
+                <a:alphaOff val="0"/>
+                <a:tint val="100000"/>
+                <a:satMod val="103000"/>
+                <a:lumMod val="102000"/>
+              </a:schemeClr>
+            </a:gs>
+            <a:gs pos="50000">
+              <a:schemeClr val="accent1">
+                <a:hueOff val="0"/>
+                <a:satOff val="0"/>
+                <a:lumOff val="0"/>
+                <a:alphaOff val="0"/>
+                <a:shade val="100000"/>
+                <a:satMod val="110000"/>
+                <a:lumMod val="100000"/>
+              </a:schemeClr>
+            </a:gs>
+            <a:gs pos="100000">
+              <a:schemeClr val="accent1">
+                <a:hueOff val="0"/>
+                <a:satOff val="0"/>
+                <a:lumOff val="0"/>
+                <a:alphaOff val="0"/>
+                <a:shade val="70000"/>
+                <a:satMod val="120000"/>
+                <a:lumMod val="99000"/>
+              </a:schemeClr>
+            </a:gs>
+          </a:gsLst>
+          <a:path path="circle">
+            <a:fillToRect l="100000" t="100000" r="100000" b="100000"/>
+          </a:path>
+        </a:gradFill>
+        <a:ln>
+          <a:noFill/>
+        </a:ln>
+        <a:effectLst/>
+      </dsp:spPr>
+      <dsp:style>
+        <a:lnRef idx="0">
+          <a:scrgbClr r="0" g="0" b="0"/>
+        </a:lnRef>
+        <a:fillRef idx="3">
+          <a:scrgbClr r="0" g="0" b="0"/>
+        </a:fillRef>
+        <a:effectRef idx="2">
+          <a:scrgbClr r="0" g="0" b="0"/>
+        </a:effectRef>
+        <a:fontRef idx="minor">
+          <a:schemeClr val="lt1"/>
+        </a:fontRef>
+      </dsp:style>
+      <dsp:txBody>
+        <a:bodyPr spcFirstLastPara="0" vert="horz" wrap="square" lIns="156464" tIns="156464" rIns="156464" bIns="83820" numCol="1" spcCol="1270" anchor="t" anchorCtr="0">
+          <a:noAutofit/>
+        </a:bodyPr>
+        <a:lstStyle/>
+        <a:p>
+          <a:pPr marL="0" lvl="0" indent="0" algn="l" defTabSz="977900">
+            <a:lnSpc>
+              <a:spcPct val="90000"/>
+            </a:lnSpc>
+            <a:spcBef>
+              <a:spcPct val="0"/>
+            </a:spcBef>
+            <a:spcAft>
+              <a:spcPct val="35000"/>
+            </a:spcAft>
+            <a:buNone/>
+          </a:pPr>
+          <a:r>
+            <a:rPr lang="en-US" sz="2200" kern="1200" dirty="0"/>
+            <a:t>OUTPUT</a:t>
+          </a:r>
+        </a:p>
+      </dsp:txBody>
+      <dsp:txXfrm>
+        <a:off x="7818923" y="1136272"/>
+        <a:ext cx="2432035" cy="633600"/>
+      </dsp:txXfrm>
+    </dsp:sp>
+    <dsp:sp modelId="{94D68C7C-30CF-450B-B4DB-6485D04A0238}">
+      <dsp:nvSpPr>
+        <dsp:cNvPr id="0" name=""/>
+        <dsp:cNvSpPr/>
+      </dsp:nvSpPr>
+      <dsp:spPr>
+        <a:xfrm>
+          <a:off x="8077909" y="1854268"/>
+          <a:ext cx="2432035" cy="2314124"/>
+        </a:xfrm>
+        <a:prstGeom prst="roundRect">
+          <a:avLst>
+            <a:gd name="adj" fmla="val 10000"/>
+          </a:avLst>
+        </a:prstGeom>
+        <a:solidFill>
+          <a:schemeClr val="lt1">
+            <a:alpha val="90000"/>
+            <a:hueOff val="0"/>
+            <a:satOff val="0"/>
+            <a:lumOff val="0"/>
+            <a:alphaOff val="0"/>
+          </a:schemeClr>
+        </a:solidFill>
+        <a:ln w="6350" cap="flat" cmpd="sng" algn="in">
+          <a:solidFill>
+            <a:schemeClr val="accent1">
+              <a:hueOff val="0"/>
+              <a:satOff val="0"/>
+              <a:lumOff val="0"/>
+              <a:alphaOff val="0"/>
+            </a:schemeClr>
+          </a:solidFill>
+          <a:prstDash val="solid"/>
+        </a:ln>
+        <a:effectLst/>
+      </dsp:spPr>
+      <dsp:style>
+        <a:lnRef idx="1">
+          <a:scrgbClr r="0" g="0" b="0"/>
+        </a:lnRef>
+        <a:fillRef idx="1">
+          <a:scrgbClr r="0" g="0" b="0"/>
+        </a:fillRef>
+        <a:effectRef idx="0">
+          <a:scrgbClr r="0" g="0" b="0"/>
+        </a:effectRef>
+        <a:fontRef idx="minor"/>
+      </dsp:style>
+      <dsp:txBody>
+        <a:bodyPr spcFirstLastPara="0" vert="horz" wrap="square" lIns="156464" tIns="156464" rIns="156464" bIns="156464" numCol="1" spcCol="1270" anchor="t" anchorCtr="0">
+          <a:noAutofit/>
+        </a:bodyPr>
+        <a:lstStyle/>
+        <a:p>
+          <a:pPr marL="228600" lvl="1" indent="-228600" algn="l" defTabSz="977900">
+            <a:lnSpc>
+              <a:spcPct val="90000"/>
+            </a:lnSpc>
+            <a:spcBef>
+              <a:spcPct val="0"/>
+            </a:spcBef>
+            <a:spcAft>
+              <a:spcPct val="15000"/>
+            </a:spcAft>
+            <a:buChar char="•"/>
+          </a:pPr>
+          <a:r>
+            <a:rPr lang="en-US" sz="2200" kern="1200" dirty="0"/>
+            <a:t>Sends these outputs to components through its output pins</a:t>
+          </a:r>
+        </a:p>
+      </dsp:txBody>
+      <dsp:txXfrm>
+        <a:off x="8145687" y="1922046"/>
+        <a:ext cx="2296479" cy="2178568"/>
+      </dsp:txXfrm>
+    </dsp:sp>
   </dsp:spTree>
 </dsp:drawing>
 </file>
@@ -9870,7 +10431,7 @@
           <a:p>
             <a:fld id="{6498A87E-E349-44B9-BCA3-D5CD3412823F}" type="datetimeFigureOut">
               <a:rPr lang="en-IN" smtClean="0"/>
-              <a:t>28-09-2016</a:t>
+              <a:t>25-02-2017</a:t>
             </a:fld>
             <a:endParaRPr lang="en-IN" dirty="0"/>
           </a:p>
@@ -9934,35 +10495,35 @@
           <a:p>
             <a:pPr lvl="0"/>
             <a:r>
-              <a:rPr lang="en-US" smtClean="0"/>
+              <a:rPr lang="en-US"/>
               <a:t>Click to edit Master text styles</a:t>
             </a:r>
           </a:p>
           <a:p>
             <a:pPr lvl="1"/>
             <a:r>
-              <a:rPr lang="en-US" smtClean="0"/>
+              <a:rPr lang="en-US"/>
               <a:t>Second level</a:t>
             </a:r>
           </a:p>
           <a:p>
             <a:pPr lvl="2"/>
             <a:r>
-              <a:rPr lang="en-US" smtClean="0"/>
+              <a:rPr lang="en-US"/>
               <a:t>Third level</a:t>
             </a:r>
           </a:p>
           <a:p>
             <a:pPr lvl="3"/>
             <a:r>
-              <a:rPr lang="en-US" smtClean="0"/>
+              <a:rPr lang="en-US"/>
               <a:t>Fourth level</a:t>
             </a:r>
           </a:p>
           <a:p>
             <a:pPr lvl="4"/>
             <a:r>
-              <a:rPr lang="en-US" smtClean="0"/>
+              <a:rPr lang="en-US"/>
               <a:t>Fifth level</a:t>
             </a:r>
             <a:endParaRPr lang="en-IN"/>
@@ -10184,23 +10745,23 @@
           <a:p>
             <a:pPr rtl="0"/>
             <a:r>
-              <a:rPr lang="en-IN" dirty="0" smtClean="0"/>
+              <a:rPr lang="en-IN" dirty="0"/>
               <a:t>Here</a:t>
             </a:r>
             <a:r>
-              <a:rPr lang="en-IN" baseline="0" dirty="0" smtClean="0"/>
+              <a:rPr lang="en-IN" baseline="0" dirty="0"/>
               <a:t> </a:t>
             </a:r>
             <a:r>
-              <a:rPr lang="en-IN" baseline="0" dirty="0" err="1" smtClean="0"/>
+              <a:rPr lang="en-IN" baseline="0" dirty="0" err="1"/>
               <a:t>Explaination</a:t>
             </a:r>
             <a:r>
-              <a:rPr lang="en-IN" baseline="0" dirty="0" smtClean="0"/>
+              <a:rPr lang="en-IN" baseline="0" dirty="0"/>
               <a:t> about Arduino , its technical details </a:t>
             </a:r>
             <a:r>
-              <a:rPr lang="en-IN" sz="1200" b="0" i="0" kern="1200" dirty="0" smtClean="0">
+              <a:rPr lang="en-IN" sz="1200" b="0" i="0" kern="1200" dirty="0">
                 <a:solidFill>
                   <a:schemeClr val="tx1"/>
                 </a:solidFill>
@@ -10215,7 +10776,7 @@
           <a:p>
             <a:pPr rtl="0"/>
             <a:r>
-              <a:rPr lang="en-IN" sz="1200" b="0" i="0" kern="1200" dirty="0" smtClean="0">
+              <a:rPr lang="en-IN" sz="1200" b="0" i="0" kern="1200" dirty="0">
                 <a:solidFill>
                   <a:schemeClr val="tx1"/>
                 </a:solidFill>
@@ -10227,7 +10788,7 @@
               <a:t>Microcontroller-</a:t>
             </a:r>
             <a:r>
-              <a:rPr lang="en-IN" sz="1200" b="0" i="0" u="none" strike="noStrike" kern="1200" dirty="0" smtClean="0">
+              <a:rPr lang="en-IN" sz="1200" b="0" i="0" u="none" strike="noStrike" kern="1200" dirty="0">
                 <a:solidFill>
                   <a:schemeClr val="tx1"/>
                 </a:solidFill>
@@ -10239,7 +10800,7 @@
               </a:rPr>
               <a:t>ATmega328P</a:t>
             </a:r>
-            <a:endParaRPr lang="en-IN" sz="1200" b="0" i="0" u="none" strike="noStrike" kern="1200" dirty="0" smtClean="0">
+            <a:endParaRPr lang="en-IN" sz="1200" b="0" i="0" u="none" strike="noStrike" kern="1200" dirty="0">
               <a:solidFill>
                 <a:schemeClr val="tx1"/>
               </a:solidFill>
@@ -10252,7 +10813,7 @@
           <a:p>
             <a:pPr rtl="0"/>
             <a:r>
-              <a:rPr lang="en-IN" sz="1200" b="0" i="0" kern="1200" dirty="0" smtClean="0">
+              <a:rPr lang="en-IN" sz="1200" b="0" i="0" kern="1200" dirty="0">
                 <a:solidFill>
                   <a:schemeClr val="tx1"/>
                 </a:solidFill>
@@ -10267,7 +10828,7 @@
           <a:p>
             <a:pPr rtl="0"/>
             <a:r>
-              <a:rPr lang="en-IN" sz="1200" b="0" i="0" kern="1200" dirty="0" smtClean="0">
+              <a:rPr lang="en-IN" sz="1200" b="0" i="0" kern="1200" dirty="0">
                 <a:solidFill>
                   <a:schemeClr val="tx1"/>
                 </a:solidFill>
@@ -10282,7 +10843,7 @@
           <a:p>
             <a:pPr rtl="0"/>
             <a:r>
-              <a:rPr lang="en-IN" sz="1200" b="0" i="0" kern="1200" dirty="0" smtClean="0">
+              <a:rPr lang="en-IN" sz="1200" b="0" i="0" kern="1200" dirty="0">
                 <a:solidFill>
                   <a:schemeClr val="tx1"/>
                 </a:solidFill>
@@ -10297,7 +10858,7 @@
           <a:p>
             <a:pPr rtl="0"/>
             <a:r>
-              <a:rPr lang="en-IN" sz="1200" b="0" i="0" kern="1200" dirty="0" smtClean="0">
+              <a:rPr lang="en-IN" sz="1200" b="0" i="0" kern="1200" dirty="0">
                 <a:solidFill>
                   <a:schemeClr val="tx1"/>
                 </a:solidFill>
@@ -10312,7 +10873,7 @@
           <a:p>
             <a:pPr rtl="0"/>
             <a:r>
-              <a:rPr lang="en-IN" sz="1200" b="0" i="0" kern="1200" dirty="0" smtClean="0">
+              <a:rPr lang="en-IN" sz="1200" b="0" i="0" kern="1200" dirty="0">
                 <a:solidFill>
                   <a:schemeClr val="tx1"/>
                 </a:solidFill>
@@ -10327,7 +10888,7 @@
           <a:p>
             <a:pPr rtl="0"/>
             <a:r>
-              <a:rPr lang="en-IN" sz="1200" b="0" i="0" kern="1200" dirty="0" smtClean="0">
+              <a:rPr lang="en-IN" sz="1200" b="0" i="0" kern="1200" dirty="0">
                 <a:solidFill>
                   <a:schemeClr val="tx1"/>
                 </a:solidFill>
@@ -10342,7 +10903,7 @@
           <a:p>
             <a:pPr rtl="0"/>
             <a:r>
-              <a:rPr lang="en-IN" sz="1200" b="0" i="0" kern="1200" dirty="0" smtClean="0">
+              <a:rPr lang="en-IN" sz="1200" b="0" i="0" kern="1200" dirty="0">
                 <a:solidFill>
                   <a:schemeClr val="tx1"/>
                 </a:solidFill>
@@ -10357,7 +10918,7 @@
           <a:p>
             <a:pPr rtl="0"/>
             <a:r>
-              <a:rPr lang="en-IN" sz="1200" b="0" i="0" kern="1200" dirty="0" smtClean="0">
+              <a:rPr lang="en-IN" sz="1200" b="0" i="0" kern="1200" dirty="0">
                 <a:solidFill>
                   <a:schemeClr val="tx1"/>
                 </a:solidFill>
@@ -10372,7 +10933,7 @@
           <a:p>
             <a:pPr rtl="0"/>
             <a:r>
-              <a:rPr lang="en-IN" sz="1200" b="0" i="0" kern="1200" dirty="0" smtClean="0">
+              <a:rPr lang="en-IN" sz="1200" b="0" i="0" kern="1200" dirty="0">
                 <a:solidFill>
                   <a:schemeClr val="tx1"/>
                 </a:solidFill>
@@ -10387,7 +10948,7 @@
           <a:p>
             <a:pPr rtl="0"/>
             <a:r>
-              <a:rPr lang="en-IN" sz="1200" b="0" i="0" kern="1200" dirty="0" smtClean="0">
+              <a:rPr lang="en-IN" sz="1200" b="0" i="0" kern="1200" dirty="0">
                 <a:solidFill>
                   <a:schemeClr val="tx1"/>
                 </a:solidFill>
@@ -10402,7 +10963,7 @@
           <a:p>
             <a:pPr rtl="0"/>
             <a:r>
-              <a:rPr lang="en-IN" sz="1200" b="0" i="0" kern="1200" dirty="0" smtClean="0">
+              <a:rPr lang="en-IN" sz="1200" b="0" i="0" kern="1200" dirty="0">
                 <a:solidFill>
                   <a:schemeClr val="tx1"/>
                 </a:solidFill>
@@ -10417,7 +10978,7 @@
           <a:p>
             <a:pPr rtl="0"/>
             <a:r>
-              <a:rPr lang="en-IN" sz="1200" b="0" i="0" kern="1200" dirty="0" smtClean="0">
+              <a:rPr lang="en-IN" sz="1200" b="0" i="0" kern="1200" dirty="0">
                 <a:solidFill>
                   <a:schemeClr val="tx1"/>
                 </a:solidFill>
@@ -10432,7 +10993,7 @@
           <a:p>
             <a:pPr rtl="0"/>
             <a:r>
-              <a:rPr lang="en-IN" sz="1200" b="0" i="0" kern="1200" dirty="0" smtClean="0">
+              <a:rPr lang="en-IN" sz="1200" b="0" i="0" kern="1200" dirty="0">
                 <a:solidFill>
                   <a:schemeClr val="tx1"/>
                 </a:solidFill>
@@ -10738,7 +11299,7 @@
           </a:lstStyle>
           <a:p>
             <a:r>
-              <a:rPr lang="en-US" smtClean="0"/>
+              <a:rPr lang="en-US"/>
               <a:t>Click to edit Master title style</a:t>
             </a:r>
             <a:endParaRPr lang="en-US" dirty="0"/>
@@ -10815,7 +11376,7 @@
           </a:lstStyle>
           <a:p>
             <a:r>
-              <a:rPr lang="en-US" smtClean="0"/>
+              <a:rPr lang="en-US"/>
               <a:t>Click to edit Master subtitle style</a:t>
             </a:r>
             <a:endParaRPr lang="en-US" dirty="0"/>
@@ -10852,7 +11413,7 @@
           <a:p>
             <a:fld id="{36B40D31-3000-4342-9940-C8A457F597F5}" type="datetimeFigureOut">
               <a:rPr lang="en-IN" smtClean="0"/>
-              <a:t>28-09-2016</a:t>
+              <a:t>25-02-2017</a:t>
             </a:fld>
             <a:endParaRPr lang="en-IN" dirty="0"/>
           </a:p>
@@ -11018,7 +11579,7 @@
           <a:lstStyle/>
           <a:p>
             <a:r>
-              <a:rPr lang="en-US" smtClean="0"/>
+              <a:rPr lang="en-US"/>
               <a:t>Click to edit Master title style</a:t>
             </a:r>
             <a:endParaRPr lang="en-US" dirty="0"/>
@@ -11047,35 +11608,35 @@
           <a:p>
             <a:pPr lvl="0"/>
             <a:r>
-              <a:rPr lang="en-US" smtClean="0"/>
+              <a:rPr lang="en-US"/>
               <a:t>Click to edit Master text styles</a:t>
             </a:r>
           </a:p>
           <a:p>
             <a:pPr lvl="1"/>
             <a:r>
-              <a:rPr lang="en-US" smtClean="0"/>
+              <a:rPr lang="en-US"/>
               <a:t>Second level</a:t>
             </a:r>
           </a:p>
           <a:p>
             <a:pPr lvl="2"/>
             <a:r>
-              <a:rPr lang="en-US" smtClean="0"/>
+              <a:rPr lang="en-US"/>
               <a:t>Third level</a:t>
             </a:r>
           </a:p>
           <a:p>
             <a:pPr lvl="3"/>
             <a:r>
-              <a:rPr lang="en-US" smtClean="0"/>
+              <a:rPr lang="en-US"/>
               <a:t>Fourth level</a:t>
             </a:r>
           </a:p>
           <a:p>
             <a:pPr lvl="4"/>
             <a:r>
-              <a:rPr lang="en-US" smtClean="0"/>
+              <a:rPr lang="en-US"/>
               <a:t>Fifth level</a:t>
             </a:r>
             <a:endParaRPr lang="en-US" dirty="0"/>
@@ -11099,7 +11660,7 @@
           <a:p>
             <a:fld id="{36B40D31-3000-4342-9940-C8A457F597F5}" type="datetimeFigureOut">
               <a:rPr lang="en-IN" smtClean="0"/>
-              <a:t>28-09-2016</a:t>
+              <a:t>25-02-2017</a:t>
             </a:fld>
             <a:endParaRPr lang="en-IN" dirty="0"/>
           </a:p>
@@ -11399,7 +11960,7 @@
           </a:lstStyle>
           <a:p>
             <a:r>
-              <a:rPr lang="en-US" smtClean="0"/>
+              <a:rPr lang="en-US"/>
               <a:t>Click to edit Master title style</a:t>
             </a:r>
             <a:endParaRPr lang="en-US" dirty="0"/>
@@ -11428,35 +11989,35 @@
           <a:p>
             <a:pPr lvl="0"/>
             <a:r>
-              <a:rPr lang="en-US" smtClean="0"/>
+              <a:rPr lang="en-US"/>
               <a:t>Click to edit Master text styles</a:t>
             </a:r>
           </a:p>
           <a:p>
             <a:pPr lvl="1"/>
             <a:r>
-              <a:rPr lang="en-US" smtClean="0"/>
+              <a:rPr lang="en-US"/>
               <a:t>Second level</a:t>
             </a:r>
           </a:p>
           <a:p>
             <a:pPr lvl="2"/>
             <a:r>
-              <a:rPr lang="en-US" smtClean="0"/>
+              <a:rPr lang="en-US"/>
               <a:t>Third level</a:t>
             </a:r>
           </a:p>
           <a:p>
             <a:pPr lvl="3"/>
             <a:r>
-              <a:rPr lang="en-US" smtClean="0"/>
+              <a:rPr lang="en-US"/>
               <a:t>Fourth level</a:t>
             </a:r>
           </a:p>
           <a:p>
             <a:pPr lvl="4"/>
             <a:r>
-              <a:rPr lang="en-US" smtClean="0"/>
+              <a:rPr lang="en-US"/>
               <a:t>Fifth level</a:t>
             </a:r>
             <a:endParaRPr lang="en-US" dirty="0"/>
@@ -11485,7 +12046,7 @@
           <a:p>
             <a:fld id="{36B40D31-3000-4342-9940-C8A457F597F5}" type="datetimeFigureOut">
               <a:rPr lang="en-IN" smtClean="0"/>
-              <a:t>28-09-2016</a:t>
+              <a:t>25-02-2017</a:t>
             </a:fld>
             <a:endParaRPr lang="en-IN" dirty="0"/>
           </a:p>
@@ -11647,7 +12208,7 @@
           </a:lstStyle>
           <a:p>
             <a:r>
-              <a:rPr lang="en-US" smtClean="0"/>
+              <a:rPr lang="en-US"/>
               <a:t>Click to edit Master title style</a:t>
             </a:r>
             <a:endParaRPr lang="en-IN"/>
@@ -11712,7 +12273,7 @@
           </a:lstStyle>
           <a:p>
             <a:r>
-              <a:rPr lang="en-US" smtClean="0"/>
+              <a:rPr lang="en-US"/>
               <a:t>Click to edit Master subtitle style</a:t>
             </a:r>
             <a:endParaRPr lang="en-IN"/>
@@ -11736,7 +12297,7 @@
           <a:p>
             <a:fld id="{36B40D31-3000-4342-9940-C8A457F597F5}" type="datetimeFigureOut">
               <a:rPr lang="en-IN" smtClean="0"/>
-              <a:t>28-09-2016</a:t>
+              <a:t>25-02-2017</a:t>
             </a:fld>
             <a:endParaRPr lang="en-IN" dirty="0"/>
           </a:p>
@@ -11835,7 +12396,7 @@
           <a:lstStyle/>
           <a:p>
             <a:r>
-              <a:rPr lang="en-US" smtClean="0"/>
+              <a:rPr lang="en-US"/>
               <a:t>Click to edit Master title style</a:t>
             </a:r>
             <a:endParaRPr lang="en-IN"/>
@@ -11859,35 +12420,35 @@
           <a:p>
             <a:pPr lvl="0"/>
             <a:r>
-              <a:rPr lang="en-US" smtClean="0"/>
+              <a:rPr lang="en-US"/>
               <a:t>Click to edit Master text styles</a:t>
             </a:r>
           </a:p>
           <a:p>
             <a:pPr lvl="1"/>
             <a:r>
-              <a:rPr lang="en-US" smtClean="0"/>
+              <a:rPr lang="en-US"/>
               <a:t>Second level</a:t>
             </a:r>
           </a:p>
           <a:p>
             <a:pPr lvl="2"/>
             <a:r>
-              <a:rPr lang="en-US" smtClean="0"/>
+              <a:rPr lang="en-US"/>
               <a:t>Third level</a:t>
             </a:r>
           </a:p>
           <a:p>
             <a:pPr lvl="3"/>
             <a:r>
-              <a:rPr lang="en-US" smtClean="0"/>
+              <a:rPr lang="en-US"/>
               <a:t>Fourth level</a:t>
             </a:r>
           </a:p>
           <a:p>
             <a:pPr lvl="4"/>
             <a:r>
-              <a:rPr lang="en-US" smtClean="0"/>
+              <a:rPr lang="en-US"/>
               <a:t>Fifth level</a:t>
             </a:r>
             <a:endParaRPr lang="en-IN"/>
@@ -11911,7 +12472,7 @@
           <a:p>
             <a:fld id="{36B40D31-3000-4342-9940-C8A457F597F5}" type="datetimeFigureOut">
               <a:rPr lang="en-IN" smtClean="0"/>
-              <a:t>28-09-2016</a:t>
+              <a:t>25-02-2017</a:t>
             </a:fld>
             <a:endParaRPr lang="en-IN" dirty="0"/>
           </a:p>
@@ -12014,7 +12575,7 @@
           </a:lstStyle>
           <a:p>
             <a:r>
-              <a:rPr lang="en-US" smtClean="0"/>
+              <a:rPr lang="en-US"/>
               <a:t>Click to edit Master title style</a:t>
             </a:r>
             <a:endParaRPr lang="en-IN"/>
@@ -12134,7 +12695,7 @@
           <a:p>
             <a:pPr lvl="0"/>
             <a:r>
-              <a:rPr lang="en-US" smtClean="0"/>
+              <a:rPr lang="en-US"/>
               <a:t>Click to edit Master text styles</a:t>
             </a:r>
           </a:p>
@@ -12157,7 +12718,7 @@
           <a:p>
             <a:fld id="{36B40D31-3000-4342-9940-C8A457F597F5}" type="datetimeFigureOut">
               <a:rPr lang="en-IN" smtClean="0"/>
-              <a:t>28-09-2016</a:t>
+              <a:t>25-02-2017</a:t>
             </a:fld>
             <a:endParaRPr lang="en-IN" dirty="0"/>
           </a:p>
@@ -12256,7 +12817,7 @@
           <a:lstStyle/>
           <a:p>
             <a:r>
-              <a:rPr lang="en-US" smtClean="0"/>
+              <a:rPr lang="en-US"/>
               <a:t>Click to edit Master title style</a:t>
             </a:r>
             <a:endParaRPr lang="en-IN"/>
@@ -12285,35 +12846,35 @@
           <a:p>
             <a:pPr lvl="0"/>
             <a:r>
-              <a:rPr lang="en-US" smtClean="0"/>
+              <a:rPr lang="en-US"/>
               <a:t>Click to edit Master text styles</a:t>
             </a:r>
           </a:p>
           <a:p>
             <a:pPr lvl="1"/>
             <a:r>
-              <a:rPr lang="en-US" smtClean="0"/>
+              <a:rPr lang="en-US"/>
               <a:t>Second level</a:t>
             </a:r>
           </a:p>
           <a:p>
             <a:pPr lvl="2"/>
             <a:r>
-              <a:rPr lang="en-US" smtClean="0"/>
+              <a:rPr lang="en-US"/>
               <a:t>Third level</a:t>
             </a:r>
           </a:p>
           <a:p>
             <a:pPr lvl="3"/>
             <a:r>
-              <a:rPr lang="en-US" smtClean="0"/>
+              <a:rPr lang="en-US"/>
               <a:t>Fourth level</a:t>
             </a:r>
           </a:p>
           <a:p>
             <a:pPr lvl="4"/>
             <a:r>
-              <a:rPr lang="en-US" smtClean="0"/>
+              <a:rPr lang="en-US"/>
               <a:t>Fifth level</a:t>
             </a:r>
             <a:endParaRPr lang="en-IN"/>
@@ -12342,35 +12903,35 @@
           <a:p>
             <a:pPr lvl="0"/>
             <a:r>
-              <a:rPr lang="en-US" smtClean="0"/>
+              <a:rPr lang="en-US"/>
               <a:t>Click to edit Master text styles</a:t>
             </a:r>
           </a:p>
           <a:p>
             <a:pPr lvl="1"/>
             <a:r>
-              <a:rPr lang="en-US" smtClean="0"/>
+              <a:rPr lang="en-US"/>
               <a:t>Second level</a:t>
             </a:r>
           </a:p>
           <a:p>
             <a:pPr lvl="2"/>
             <a:r>
-              <a:rPr lang="en-US" smtClean="0"/>
+              <a:rPr lang="en-US"/>
               <a:t>Third level</a:t>
             </a:r>
           </a:p>
           <a:p>
             <a:pPr lvl="3"/>
             <a:r>
-              <a:rPr lang="en-US" smtClean="0"/>
+              <a:rPr lang="en-US"/>
               <a:t>Fourth level</a:t>
             </a:r>
           </a:p>
           <a:p>
             <a:pPr lvl="4"/>
             <a:r>
-              <a:rPr lang="en-US" smtClean="0"/>
+              <a:rPr lang="en-US"/>
               <a:t>Fifth level</a:t>
             </a:r>
             <a:endParaRPr lang="en-IN"/>
@@ -12394,7 +12955,7 @@
           <a:p>
             <a:fld id="{36B40D31-3000-4342-9940-C8A457F597F5}" type="datetimeFigureOut">
               <a:rPr lang="en-IN" smtClean="0"/>
-              <a:t>28-09-2016</a:t>
+              <a:t>25-02-2017</a:t>
             </a:fld>
             <a:endParaRPr lang="en-IN" dirty="0"/>
           </a:p>
@@ -12493,7 +13054,7 @@
           <a:lstStyle/>
           <a:p>
             <a:r>
-              <a:rPr lang="en-US" smtClean="0"/>
+              <a:rPr lang="en-US"/>
               <a:t>Click to edit Master title style</a:t>
             </a:r>
             <a:endParaRPr lang="en-IN"/>
@@ -12559,7 +13120,7 @@
           <a:p>
             <a:pPr lvl="0"/>
             <a:r>
-              <a:rPr lang="en-US" smtClean="0"/>
+              <a:rPr lang="en-US"/>
               <a:t>Click to edit Master text styles</a:t>
             </a:r>
           </a:p>
@@ -12587,35 +13148,35 @@
           <a:p>
             <a:pPr lvl="0"/>
             <a:r>
-              <a:rPr lang="en-US" smtClean="0"/>
+              <a:rPr lang="en-US"/>
               <a:t>Click to edit Master text styles</a:t>
             </a:r>
           </a:p>
           <a:p>
             <a:pPr lvl="1"/>
             <a:r>
-              <a:rPr lang="en-US" smtClean="0"/>
+              <a:rPr lang="en-US"/>
               <a:t>Second level</a:t>
             </a:r>
           </a:p>
           <a:p>
             <a:pPr lvl="2"/>
             <a:r>
-              <a:rPr lang="en-US" smtClean="0"/>
+              <a:rPr lang="en-US"/>
               <a:t>Third level</a:t>
             </a:r>
           </a:p>
           <a:p>
             <a:pPr lvl="3"/>
             <a:r>
-              <a:rPr lang="en-US" smtClean="0"/>
+              <a:rPr lang="en-US"/>
               <a:t>Fourth level</a:t>
             </a:r>
           </a:p>
           <a:p>
             <a:pPr lvl="4"/>
             <a:r>
-              <a:rPr lang="en-US" smtClean="0"/>
+              <a:rPr lang="en-US"/>
               <a:t>Fifth level</a:t>
             </a:r>
             <a:endParaRPr lang="en-IN"/>
@@ -12681,7 +13242,7 @@
           <a:p>
             <a:pPr lvl="0"/>
             <a:r>
-              <a:rPr lang="en-US" smtClean="0"/>
+              <a:rPr lang="en-US"/>
               <a:t>Click to edit Master text styles</a:t>
             </a:r>
           </a:p>
@@ -12709,35 +13270,35 @@
           <a:p>
             <a:pPr lvl="0"/>
             <a:r>
-              <a:rPr lang="en-US" smtClean="0"/>
+              <a:rPr lang="en-US"/>
               <a:t>Click to edit Master text styles</a:t>
             </a:r>
           </a:p>
           <a:p>
             <a:pPr lvl="1"/>
             <a:r>
-              <a:rPr lang="en-US" smtClean="0"/>
+              <a:rPr lang="en-US"/>
               <a:t>Second level</a:t>
             </a:r>
           </a:p>
           <a:p>
             <a:pPr lvl="2"/>
             <a:r>
-              <a:rPr lang="en-US" smtClean="0"/>
+              <a:rPr lang="en-US"/>
               <a:t>Third level</a:t>
             </a:r>
           </a:p>
           <a:p>
             <a:pPr lvl="3"/>
             <a:r>
-              <a:rPr lang="en-US" smtClean="0"/>
+              <a:rPr lang="en-US"/>
               <a:t>Fourth level</a:t>
             </a:r>
           </a:p>
           <a:p>
             <a:pPr lvl="4"/>
             <a:r>
-              <a:rPr lang="en-US" smtClean="0"/>
+              <a:rPr lang="en-US"/>
               <a:t>Fifth level</a:t>
             </a:r>
             <a:endParaRPr lang="en-IN"/>
@@ -12761,7 +13322,7 @@
           <a:p>
             <a:fld id="{36B40D31-3000-4342-9940-C8A457F597F5}" type="datetimeFigureOut">
               <a:rPr lang="en-IN" smtClean="0"/>
-              <a:t>28-09-2016</a:t>
+              <a:t>25-02-2017</a:t>
             </a:fld>
             <a:endParaRPr lang="en-IN" dirty="0"/>
           </a:p>
@@ -12855,7 +13416,7 @@
           <a:lstStyle/>
           <a:p>
             <a:r>
-              <a:rPr lang="en-US" smtClean="0"/>
+              <a:rPr lang="en-US"/>
               <a:t>Click to edit Master title style</a:t>
             </a:r>
             <a:endParaRPr lang="en-IN"/>
@@ -12879,7 +13440,7 @@
           <a:p>
             <a:fld id="{36B40D31-3000-4342-9940-C8A457F597F5}" type="datetimeFigureOut">
               <a:rPr lang="en-IN" smtClean="0"/>
-              <a:t>28-09-2016</a:t>
+              <a:t>25-02-2017</a:t>
             </a:fld>
             <a:endParaRPr lang="en-IN" dirty="0"/>
           </a:p>
@@ -12974,7 +13535,7 @@
           <a:p>
             <a:fld id="{36B40D31-3000-4342-9940-C8A457F597F5}" type="datetimeFigureOut">
               <a:rPr lang="en-IN" smtClean="0"/>
-              <a:t>28-09-2016</a:t>
+              <a:t>25-02-2017</a:t>
             </a:fld>
             <a:endParaRPr lang="en-IN" dirty="0"/>
           </a:p>
@@ -13077,7 +13638,7 @@
           </a:lstStyle>
           <a:p>
             <a:r>
-              <a:rPr lang="en-US" smtClean="0"/>
+              <a:rPr lang="en-US"/>
               <a:t>Click to edit Master title style</a:t>
             </a:r>
             <a:endParaRPr lang="en-IN"/>
@@ -13134,35 +13695,35 @@
           <a:p>
             <a:pPr lvl="0"/>
             <a:r>
-              <a:rPr lang="en-US" smtClean="0"/>
+              <a:rPr lang="en-US"/>
               <a:t>Click to edit Master text styles</a:t>
             </a:r>
           </a:p>
           <a:p>
             <a:pPr lvl="1"/>
             <a:r>
-              <a:rPr lang="en-US" smtClean="0"/>
+              <a:rPr lang="en-US"/>
               <a:t>Second level</a:t>
             </a:r>
           </a:p>
           <a:p>
             <a:pPr lvl="2"/>
             <a:r>
-              <a:rPr lang="en-US" smtClean="0"/>
+              <a:rPr lang="en-US"/>
               <a:t>Third level</a:t>
             </a:r>
           </a:p>
           <a:p>
             <a:pPr lvl="3"/>
             <a:r>
-              <a:rPr lang="en-US" smtClean="0"/>
+              <a:rPr lang="en-US"/>
               <a:t>Fourth level</a:t>
             </a:r>
           </a:p>
           <a:p>
             <a:pPr lvl="4"/>
             <a:r>
-              <a:rPr lang="en-US" smtClean="0"/>
+              <a:rPr lang="en-US"/>
               <a:t>Fifth level</a:t>
             </a:r>
             <a:endParaRPr lang="en-IN"/>
@@ -13228,7 +13789,7 @@
           <a:p>
             <a:pPr lvl="0"/>
             <a:r>
-              <a:rPr lang="en-US" smtClean="0"/>
+              <a:rPr lang="en-US"/>
               <a:t>Click to edit Master text styles</a:t>
             </a:r>
           </a:p>
@@ -13251,7 +13812,7 @@
           <a:p>
             <a:fld id="{36B40D31-3000-4342-9940-C8A457F597F5}" type="datetimeFigureOut">
               <a:rPr lang="en-IN" smtClean="0"/>
-              <a:t>28-09-2016</a:t>
+              <a:t>25-02-2017</a:t>
             </a:fld>
             <a:endParaRPr lang="en-IN" dirty="0"/>
           </a:p>
@@ -13345,7 +13906,7 @@
           <a:lstStyle/>
           <a:p>
             <a:r>
-              <a:rPr lang="en-US" smtClean="0"/>
+              <a:rPr lang="en-US"/>
               <a:t>Click to edit Master title style</a:t>
             </a:r>
             <a:endParaRPr lang="en-US" dirty="0"/>
@@ -13369,35 +13930,35 @@
           <a:p>
             <a:pPr lvl="0"/>
             <a:r>
-              <a:rPr lang="en-US" smtClean="0"/>
+              <a:rPr lang="en-US"/>
               <a:t>Click to edit Master text styles</a:t>
             </a:r>
           </a:p>
           <a:p>
             <a:pPr lvl="1"/>
             <a:r>
-              <a:rPr lang="en-US" smtClean="0"/>
+              <a:rPr lang="en-US"/>
               <a:t>Second level</a:t>
             </a:r>
           </a:p>
           <a:p>
             <a:pPr lvl="2"/>
             <a:r>
-              <a:rPr lang="en-US" smtClean="0"/>
+              <a:rPr lang="en-US"/>
               <a:t>Third level</a:t>
             </a:r>
           </a:p>
           <a:p>
             <a:pPr lvl="3"/>
             <a:r>
-              <a:rPr lang="en-US" smtClean="0"/>
+              <a:rPr lang="en-US"/>
               <a:t>Fourth level</a:t>
             </a:r>
           </a:p>
           <a:p>
             <a:pPr lvl="4"/>
             <a:r>
-              <a:rPr lang="en-US" smtClean="0"/>
+              <a:rPr lang="en-US"/>
               <a:t>Fifth level</a:t>
             </a:r>
             <a:endParaRPr lang="en-US" dirty="0"/>
@@ -13421,7 +13982,7 @@
           <a:p>
             <a:fld id="{36B40D31-3000-4342-9940-C8A457F597F5}" type="datetimeFigureOut">
               <a:rPr lang="en-IN" smtClean="0"/>
-              <a:t>28-09-2016</a:t>
+              <a:t>25-02-2017</a:t>
             </a:fld>
             <a:endParaRPr lang="en-IN" dirty="0"/>
           </a:p>
@@ -13524,7 +14085,7 @@
           </a:lstStyle>
           <a:p>
             <a:r>
-              <a:rPr lang="en-US" smtClean="0"/>
+              <a:rPr lang="en-US"/>
               <a:t>Click to edit Master title style</a:t>
             </a:r>
             <a:endParaRPr lang="en-IN"/>
@@ -13651,7 +14212,7 @@
           <a:p>
             <a:pPr lvl="0"/>
             <a:r>
-              <a:rPr lang="en-US" smtClean="0"/>
+              <a:rPr lang="en-US"/>
               <a:t>Click to edit Master text styles</a:t>
             </a:r>
           </a:p>
@@ -13674,7 +14235,7 @@
           <a:p>
             <a:fld id="{36B40D31-3000-4342-9940-C8A457F597F5}" type="datetimeFigureOut">
               <a:rPr lang="en-IN" smtClean="0"/>
-              <a:t>28-09-2016</a:t>
+              <a:t>25-02-2017</a:t>
             </a:fld>
             <a:endParaRPr lang="en-IN" dirty="0"/>
           </a:p>
@@ -13768,7 +14329,7 @@
           <a:lstStyle/>
           <a:p>
             <a:r>
-              <a:rPr lang="en-US" smtClean="0"/>
+              <a:rPr lang="en-US"/>
               <a:t>Click to edit Master title style</a:t>
             </a:r>
             <a:endParaRPr lang="en-IN"/>
@@ -13792,35 +14353,35 @@
           <a:p>
             <a:pPr lvl="0"/>
             <a:r>
-              <a:rPr lang="en-US" smtClean="0"/>
+              <a:rPr lang="en-US"/>
               <a:t>Click to edit Master text styles</a:t>
             </a:r>
           </a:p>
           <a:p>
             <a:pPr lvl="1"/>
             <a:r>
-              <a:rPr lang="en-US" smtClean="0"/>
+              <a:rPr lang="en-US"/>
               <a:t>Second level</a:t>
             </a:r>
           </a:p>
           <a:p>
             <a:pPr lvl="2"/>
             <a:r>
-              <a:rPr lang="en-US" smtClean="0"/>
+              <a:rPr lang="en-US"/>
               <a:t>Third level</a:t>
             </a:r>
           </a:p>
           <a:p>
             <a:pPr lvl="3"/>
             <a:r>
-              <a:rPr lang="en-US" smtClean="0"/>
+              <a:rPr lang="en-US"/>
               <a:t>Fourth level</a:t>
             </a:r>
           </a:p>
           <a:p>
             <a:pPr lvl="4"/>
             <a:r>
-              <a:rPr lang="en-US" smtClean="0"/>
+              <a:rPr lang="en-US"/>
               <a:t>Fifth level</a:t>
             </a:r>
             <a:endParaRPr lang="en-IN"/>
@@ -13844,7 +14405,7 @@
           <a:p>
             <a:fld id="{36B40D31-3000-4342-9940-C8A457F597F5}" type="datetimeFigureOut">
               <a:rPr lang="en-IN" smtClean="0"/>
-              <a:t>28-09-2016</a:t>
+              <a:t>25-02-2017</a:t>
             </a:fld>
             <a:endParaRPr lang="en-IN" dirty="0"/>
           </a:p>
@@ -13943,7 +14504,7 @@
           <a:lstStyle/>
           <a:p>
             <a:r>
-              <a:rPr lang="en-US" smtClean="0"/>
+              <a:rPr lang="en-US"/>
               <a:t>Click to edit Master title style</a:t>
             </a:r>
             <a:endParaRPr lang="en-IN"/>
@@ -13972,35 +14533,35 @@
           <a:p>
             <a:pPr lvl="0"/>
             <a:r>
-              <a:rPr lang="en-US" smtClean="0"/>
+              <a:rPr lang="en-US"/>
               <a:t>Click to edit Master text styles</a:t>
             </a:r>
           </a:p>
           <a:p>
             <a:pPr lvl="1"/>
             <a:r>
-              <a:rPr lang="en-US" smtClean="0"/>
+              <a:rPr lang="en-US"/>
               <a:t>Second level</a:t>
             </a:r>
           </a:p>
           <a:p>
             <a:pPr lvl="2"/>
             <a:r>
-              <a:rPr lang="en-US" smtClean="0"/>
+              <a:rPr lang="en-US"/>
               <a:t>Third level</a:t>
             </a:r>
           </a:p>
           <a:p>
             <a:pPr lvl="3"/>
             <a:r>
-              <a:rPr lang="en-US" smtClean="0"/>
+              <a:rPr lang="en-US"/>
               <a:t>Fourth level</a:t>
             </a:r>
           </a:p>
           <a:p>
             <a:pPr lvl="4"/>
             <a:r>
-              <a:rPr lang="en-US" smtClean="0"/>
+              <a:rPr lang="en-US"/>
               <a:t>Fifth level</a:t>
             </a:r>
             <a:endParaRPr lang="en-IN"/>
@@ -14024,7 +14585,7 @@
           <a:p>
             <a:fld id="{36B40D31-3000-4342-9940-C8A457F597F5}" type="datetimeFigureOut">
               <a:rPr lang="en-IN" smtClean="0"/>
-              <a:t>28-09-2016</a:t>
+              <a:t>25-02-2017</a:t>
             </a:fld>
             <a:endParaRPr lang="en-IN" dirty="0"/>
           </a:p>
@@ -14352,7 +14913,7 @@
           </a:lstStyle>
           <a:p>
             <a:r>
-              <a:rPr lang="en-US" smtClean="0"/>
+              <a:rPr lang="en-US"/>
               <a:t>Click to edit Master title style</a:t>
             </a:r>
             <a:endParaRPr lang="en-US" dirty="0"/>
@@ -14481,7 +15042,7 @@
           <a:p>
             <a:pPr lvl="0"/>
             <a:r>
-              <a:rPr lang="en-US" smtClean="0"/>
+              <a:rPr lang="en-US"/>
               <a:t>Click to edit Master text styles</a:t>
             </a:r>
           </a:p>
@@ -14520,7 +15081,7 @@
           <a:p>
             <a:fld id="{36B40D31-3000-4342-9940-C8A457F597F5}" type="datetimeFigureOut">
               <a:rPr lang="en-IN" smtClean="0"/>
-              <a:t>28-09-2016</a:t>
+              <a:t>25-02-2017</a:t>
             </a:fld>
             <a:endParaRPr lang="en-IN" dirty="0"/>
           </a:p>
@@ -14692,7 +15253,7 @@
           <a:lstStyle/>
           <a:p>
             <a:r>
-              <a:rPr lang="en-US" smtClean="0"/>
+              <a:rPr lang="en-US"/>
               <a:t>Click to edit Master title style</a:t>
             </a:r>
             <a:endParaRPr lang="en-US" dirty="0"/>
@@ -14721,35 +15282,35 @@
           <a:p>
             <a:pPr lvl="0"/>
             <a:r>
-              <a:rPr lang="en-US" smtClean="0"/>
+              <a:rPr lang="en-US"/>
               <a:t>Click to edit Master text styles</a:t>
             </a:r>
           </a:p>
           <a:p>
             <a:pPr lvl="1"/>
             <a:r>
-              <a:rPr lang="en-US" smtClean="0"/>
+              <a:rPr lang="en-US"/>
               <a:t>Second level</a:t>
             </a:r>
           </a:p>
           <a:p>
             <a:pPr lvl="2"/>
             <a:r>
-              <a:rPr lang="en-US" smtClean="0"/>
+              <a:rPr lang="en-US"/>
               <a:t>Third level</a:t>
             </a:r>
           </a:p>
           <a:p>
             <a:pPr lvl="3"/>
             <a:r>
-              <a:rPr lang="en-US" smtClean="0"/>
+              <a:rPr lang="en-US"/>
               <a:t>Fourth level</a:t>
             </a:r>
           </a:p>
           <a:p>
             <a:pPr lvl="4"/>
             <a:r>
-              <a:rPr lang="en-US" smtClean="0"/>
+              <a:rPr lang="en-US"/>
               <a:t>Fifth level</a:t>
             </a:r>
             <a:endParaRPr lang="en-US" dirty="0"/>
@@ -14778,35 +15339,35 @@
           <a:p>
             <a:pPr lvl="0"/>
             <a:r>
-              <a:rPr lang="en-US" smtClean="0"/>
+              <a:rPr lang="en-US"/>
               <a:t>Click to edit Master text styles</a:t>
             </a:r>
           </a:p>
           <a:p>
             <a:pPr lvl="1"/>
             <a:r>
-              <a:rPr lang="en-US" smtClean="0"/>
+              <a:rPr lang="en-US"/>
               <a:t>Second level</a:t>
             </a:r>
           </a:p>
           <a:p>
             <a:pPr lvl="2"/>
             <a:r>
-              <a:rPr lang="en-US" smtClean="0"/>
+              <a:rPr lang="en-US"/>
               <a:t>Third level</a:t>
             </a:r>
           </a:p>
           <a:p>
             <a:pPr lvl="3"/>
             <a:r>
-              <a:rPr lang="en-US" smtClean="0"/>
+              <a:rPr lang="en-US"/>
               <a:t>Fourth level</a:t>
             </a:r>
           </a:p>
           <a:p>
             <a:pPr lvl="4"/>
             <a:r>
-              <a:rPr lang="en-US" smtClean="0"/>
+              <a:rPr lang="en-US"/>
               <a:t>Fifth level</a:t>
             </a:r>
             <a:endParaRPr lang="en-US" dirty="0"/>
@@ -14830,7 +15391,7 @@
           <a:p>
             <a:fld id="{36B40D31-3000-4342-9940-C8A457F597F5}" type="datetimeFigureOut">
               <a:rPr lang="en-IN" smtClean="0"/>
-              <a:t>28-09-2016</a:t>
+              <a:t>25-02-2017</a:t>
             </a:fld>
             <a:endParaRPr lang="en-IN" dirty="0"/>
           </a:p>
@@ -14929,7 +15490,7 @@
           <a:lstStyle/>
           <a:p>
             <a:r>
-              <a:rPr lang="en-US" smtClean="0"/>
+              <a:rPr lang="en-US"/>
               <a:t>Click to edit Master title style</a:t>
             </a:r>
             <a:endParaRPr lang="en-US" dirty="0"/>
@@ -15010,7 +15571,7 @@
           <a:p>
             <a:pPr lvl="0"/>
             <a:r>
-              <a:rPr lang="en-US" smtClean="0"/>
+              <a:rPr lang="en-US"/>
               <a:t>Click to edit Master text styles</a:t>
             </a:r>
           </a:p>
@@ -15038,35 +15599,35 @@
           <a:p>
             <a:pPr lvl="0"/>
             <a:r>
-              <a:rPr lang="en-US" smtClean="0"/>
+              <a:rPr lang="en-US"/>
               <a:t>Click to edit Master text styles</a:t>
             </a:r>
           </a:p>
           <a:p>
             <a:pPr lvl="1"/>
             <a:r>
-              <a:rPr lang="en-US" smtClean="0"/>
+              <a:rPr lang="en-US"/>
               <a:t>Second level</a:t>
             </a:r>
           </a:p>
           <a:p>
             <a:pPr lvl="2"/>
             <a:r>
-              <a:rPr lang="en-US" smtClean="0"/>
+              <a:rPr lang="en-US"/>
               <a:t>Third level</a:t>
             </a:r>
           </a:p>
           <a:p>
             <a:pPr lvl="3"/>
             <a:r>
-              <a:rPr lang="en-US" smtClean="0"/>
+              <a:rPr lang="en-US"/>
               <a:t>Fourth level</a:t>
             </a:r>
           </a:p>
           <a:p>
             <a:pPr lvl="4"/>
             <a:r>
-              <a:rPr lang="en-US" smtClean="0"/>
+              <a:rPr lang="en-US"/>
               <a:t>Fifth level</a:t>
             </a:r>
             <a:endParaRPr lang="en-US" dirty="0"/>
@@ -15141,7 +15702,7 @@
           <a:p>
             <a:pPr lvl="0"/>
             <a:r>
-              <a:rPr lang="en-US" smtClean="0"/>
+              <a:rPr lang="en-US"/>
               <a:t>Click to edit Master text styles</a:t>
             </a:r>
           </a:p>
@@ -15169,35 +15730,35 @@
           <a:p>
             <a:pPr lvl="0"/>
             <a:r>
-              <a:rPr lang="en-US" smtClean="0"/>
+              <a:rPr lang="en-US"/>
               <a:t>Click to edit Master text styles</a:t>
             </a:r>
           </a:p>
           <a:p>
             <a:pPr lvl="1"/>
             <a:r>
-              <a:rPr lang="en-US" smtClean="0"/>
+              <a:rPr lang="en-US"/>
               <a:t>Second level</a:t>
             </a:r>
           </a:p>
           <a:p>
             <a:pPr lvl="2"/>
             <a:r>
-              <a:rPr lang="en-US" smtClean="0"/>
+              <a:rPr lang="en-US"/>
               <a:t>Third level</a:t>
             </a:r>
           </a:p>
           <a:p>
             <a:pPr lvl="3"/>
             <a:r>
-              <a:rPr lang="en-US" smtClean="0"/>
+              <a:rPr lang="en-US"/>
               <a:t>Fourth level</a:t>
             </a:r>
           </a:p>
           <a:p>
             <a:pPr lvl="4"/>
             <a:r>
-              <a:rPr lang="en-US" smtClean="0"/>
+              <a:rPr lang="en-US"/>
               <a:t>Fifth level</a:t>
             </a:r>
             <a:endParaRPr lang="en-US" dirty="0"/>
@@ -15221,7 +15782,7 @@
           <a:p>
             <a:fld id="{36B40D31-3000-4342-9940-C8A457F597F5}" type="datetimeFigureOut">
               <a:rPr lang="en-IN" smtClean="0"/>
-              <a:t>28-09-2016</a:t>
+              <a:t>25-02-2017</a:t>
             </a:fld>
             <a:endParaRPr lang="en-IN" dirty="0"/>
           </a:p>
@@ -15315,7 +15876,7 @@
           <a:lstStyle/>
           <a:p>
             <a:r>
-              <a:rPr lang="en-US" smtClean="0"/>
+              <a:rPr lang="en-US"/>
               <a:t>Click to edit Master title style</a:t>
             </a:r>
             <a:endParaRPr lang="en-US" dirty="0"/>
@@ -15339,7 +15900,7 @@
           <a:p>
             <a:fld id="{36B40D31-3000-4342-9940-C8A457F597F5}" type="datetimeFigureOut">
               <a:rPr lang="en-IN" smtClean="0"/>
-              <a:t>28-09-2016</a:t>
+              <a:t>25-02-2017</a:t>
             </a:fld>
             <a:endParaRPr lang="en-IN" dirty="0"/>
           </a:p>
@@ -15434,7 +15995,7 @@
           <a:p>
             <a:fld id="{36B40D31-3000-4342-9940-C8A457F597F5}" type="datetimeFigureOut">
               <a:rPr lang="en-IN" smtClean="0"/>
-              <a:t>28-09-2016</a:t>
+              <a:t>25-02-2017</a:t>
             </a:fld>
             <a:endParaRPr lang="en-IN" dirty="0"/>
           </a:p>
@@ -15542,7 +16103,7 @@
           </a:lstStyle>
           <a:p>
             <a:r>
-              <a:rPr lang="en-US" smtClean="0"/>
+              <a:rPr lang="en-US"/>
               <a:t>Click to edit Master title style</a:t>
             </a:r>
             <a:endParaRPr lang="en-US" dirty="0"/>
@@ -15614,35 +16175,35 @@
           <a:p>
             <a:pPr lvl="0"/>
             <a:r>
-              <a:rPr lang="en-US" smtClean="0"/>
+              <a:rPr lang="en-US"/>
               <a:t>Click to edit Master text styles</a:t>
             </a:r>
           </a:p>
           <a:p>
             <a:pPr lvl="1"/>
             <a:r>
-              <a:rPr lang="en-US" smtClean="0"/>
+              <a:rPr lang="en-US"/>
               <a:t>Second level</a:t>
             </a:r>
           </a:p>
           <a:p>
             <a:pPr lvl="2"/>
             <a:r>
-              <a:rPr lang="en-US" smtClean="0"/>
+              <a:rPr lang="en-US"/>
               <a:t>Third level</a:t>
             </a:r>
           </a:p>
           <a:p>
             <a:pPr lvl="3"/>
             <a:r>
-              <a:rPr lang="en-US" smtClean="0"/>
+              <a:rPr lang="en-US"/>
               <a:t>Fourth level</a:t>
             </a:r>
           </a:p>
           <a:p>
             <a:pPr lvl="4"/>
             <a:r>
-              <a:rPr lang="en-US" smtClean="0"/>
+              <a:rPr lang="en-US"/>
               <a:t>Fifth level</a:t>
             </a:r>
             <a:endParaRPr lang="en-US" dirty="0"/>
@@ -15711,7 +16272,7 @@
           <a:p>
             <a:pPr lvl="0"/>
             <a:r>
-              <a:rPr lang="en-US" smtClean="0"/>
+              <a:rPr lang="en-US"/>
               <a:t>Click to edit Master text styles</a:t>
             </a:r>
           </a:p>
@@ -15734,7 +16295,7 @@
           <a:p>
             <a:fld id="{36B40D31-3000-4342-9940-C8A457F597F5}" type="datetimeFigureOut">
               <a:rPr lang="en-IN" smtClean="0"/>
-              <a:t>28-09-2016</a:t>
+              <a:t>25-02-2017</a:t>
             </a:fld>
             <a:endParaRPr lang="en-IN" dirty="0"/>
           </a:p>
@@ -15842,7 +16403,7 @@
           </a:lstStyle>
           <a:p>
             <a:r>
-              <a:rPr lang="en-US" smtClean="0"/>
+              <a:rPr lang="en-US"/>
               <a:t>Click to edit Master title style</a:t>
             </a:r>
             <a:endParaRPr lang="en-US" dirty="0"/>
@@ -15907,10 +16468,9 @@
           </a:lstStyle>
           <a:p>
             <a:r>
-              <a:rPr lang="en-US" dirty="0" smtClean="0"/>
+              <a:rPr lang="en-US" dirty="0"/>
               <a:t>Click icon to add picture</a:t>
             </a:r>
-            <a:endParaRPr lang="en-US" dirty="0"/>
           </a:p>
         </p:txBody>
       </p:sp>
@@ -15976,7 +16536,7 @@
           <a:p>
             <a:pPr lvl="0"/>
             <a:r>
-              <a:rPr lang="en-US" smtClean="0"/>
+              <a:rPr lang="en-US"/>
               <a:t>Click to edit Master text styles</a:t>
             </a:r>
           </a:p>
@@ -15999,7 +16559,7 @@
           <a:p>
             <a:fld id="{36B40D31-3000-4342-9940-C8A457F597F5}" type="datetimeFigureOut">
               <a:rPr lang="en-IN" smtClean="0"/>
-              <a:t>28-09-2016</a:t>
+              <a:t>25-02-2017</a:t>
             </a:fld>
             <a:endParaRPr lang="en-IN" dirty="0"/>
           </a:p>
@@ -16311,7 +16871,7 @@
           <a:lstStyle/>
           <a:p>
             <a:r>
-              <a:rPr lang="en-US" smtClean="0"/>
+              <a:rPr lang="en-US"/>
               <a:t>Click to edit Master title style</a:t>
             </a:r>
             <a:endParaRPr lang="en-US" dirty="0"/>
@@ -16345,35 +16905,35 @@
           <a:p>
             <a:pPr lvl="0"/>
             <a:r>
-              <a:rPr lang="en-US" smtClean="0"/>
+              <a:rPr lang="en-US"/>
               <a:t>Click to edit Master text styles</a:t>
             </a:r>
           </a:p>
           <a:p>
             <a:pPr lvl="1"/>
             <a:r>
-              <a:rPr lang="en-US" smtClean="0"/>
+              <a:rPr lang="en-US"/>
               <a:t>Second level</a:t>
             </a:r>
           </a:p>
           <a:p>
             <a:pPr lvl="2"/>
             <a:r>
-              <a:rPr lang="en-US" smtClean="0"/>
+              <a:rPr lang="en-US"/>
               <a:t>Third level</a:t>
             </a:r>
           </a:p>
           <a:p>
             <a:pPr lvl="3"/>
             <a:r>
-              <a:rPr lang="en-US" smtClean="0"/>
+              <a:rPr lang="en-US"/>
               <a:t>Fourth level</a:t>
             </a:r>
           </a:p>
           <a:p>
             <a:pPr lvl="4"/>
             <a:r>
-              <a:rPr lang="en-US" smtClean="0"/>
+              <a:rPr lang="en-US"/>
               <a:t>Fifth level</a:t>
             </a:r>
             <a:endParaRPr lang="en-US" dirty="0"/>
@@ -16417,7 +16977,7 @@
           <a:p>
             <a:fld id="{36B40D31-3000-4342-9940-C8A457F597F5}" type="datetimeFigureOut">
               <a:rPr lang="en-IN" smtClean="0"/>
-              <a:t>28-09-2016</a:t>
+              <a:t>25-02-2017</a:t>
             </a:fld>
             <a:endParaRPr lang="en-IN" dirty="0"/>
           </a:p>
@@ -16953,7 +17513,7 @@
           <a:lstStyle/>
           <a:p>
             <a:r>
-              <a:rPr lang="en-US" smtClean="0"/>
+              <a:rPr lang="en-US"/>
               <a:t>Click to edit Master title style</a:t>
             </a:r>
             <a:endParaRPr lang="en-IN"/>
@@ -16987,35 +17547,35 @@
           <a:p>
             <a:pPr lvl="0"/>
             <a:r>
-              <a:rPr lang="en-US" smtClean="0"/>
+              <a:rPr lang="en-US"/>
               <a:t>Click to edit Master text styles</a:t>
             </a:r>
           </a:p>
           <a:p>
             <a:pPr lvl="1"/>
             <a:r>
-              <a:rPr lang="en-US" smtClean="0"/>
+              <a:rPr lang="en-US"/>
               <a:t>Second level</a:t>
             </a:r>
           </a:p>
           <a:p>
             <a:pPr lvl="2"/>
             <a:r>
-              <a:rPr lang="en-US" smtClean="0"/>
+              <a:rPr lang="en-US"/>
               <a:t>Third level</a:t>
             </a:r>
           </a:p>
           <a:p>
             <a:pPr lvl="3"/>
             <a:r>
-              <a:rPr lang="en-US" smtClean="0"/>
+              <a:rPr lang="en-US"/>
               <a:t>Fourth level</a:t>
             </a:r>
           </a:p>
           <a:p>
             <a:pPr lvl="4"/>
             <a:r>
-              <a:rPr lang="en-US" smtClean="0"/>
+              <a:rPr lang="en-US"/>
               <a:t>Fifth level</a:t>
             </a:r>
             <a:endParaRPr lang="en-IN"/>
@@ -17057,7 +17617,7 @@
           <a:p>
             <a:fld id="{36B40D31-3000-4342-9940-C8A457F597F5}" type="datetimeFigureOut">
               <a:rPr lang="en-IN" smtClean="0"/>
-              <a:t>28-09-2016</a:t>
+              <a:t>25-02-2017</a:t>
             </a:fld>
             <a:endParaRPr lang="en-IN" dirty="0"/>
           </a:p>
@@ -17545,7 +18105,7 @@
           <p:nvPr>
             <p:extLst>
               <p:ext uri="{D42A27DB-BD31-4B8C-83A1-F6EECF244321}">
-                <p14:modId xmlns:p14="http://schemas.microsoft.com/office/powerpoint/2010/main" val="3120735780"/>
+                <p14:modId xmlns:p14="http://schemas.microsoft.com/office/powerpoint/2010/main" val="396462007"/>
               </p:ext>
             </p:extLst>
           </p:nvPr>
@@ -17613,13 +18173,6 @@
   <p:transition spd="slow">
     <p:push dir="u"/>
   </p:transition>
-  <p:timing>
-    <p:tnLst>
-      <p:par>
-        <p:cTn id="1" dur="indefinite" restart="never" nodeType="tmRoot"/>
-      </p:par>
-    </p:tnLst>
-  </p:timing>
 </p:sld>
 </file>
 
@@ -17665,7 +18218,7 @@
           <a:lstStyle/>
           <a:p>
             <a:r>
-              <a:rPr lang="en-US" sz="4400" dirty="0" smtClean="0">
+              <a:rPr lang="en-US" sz="4400" dirty="0">
                 <a:ln w="0"/>
                 <a:effectLst>
                   <a:outerShdw blurRad="38100" dist="19050" dir="2700000" algn="tl" rotWithShape="0">
@@ -17720,10 +18273,34 @@
                 <a:tableStyleId>{5C22544A-7EE6-4342-B048-85BDC9FD1C3A}</a:tableStyleId>
               </a:tblPr>
               <a:tblGrid>
-                <a:gridCol w="2497282"/>
-                <a:gridCol w="2497282"/>
-                <a:gridCol w="2497282"/>
-                <a:gridCol w="2497282"/>
+                <a:gridCol w="2497282">
+                  <a:extLst>
+                    <a:ext uri="{9D8B030D-6E8A-4147-A177-3AD203B41FA5}">
+                      <a16:colId xmlns:a16="http://schemas.microsoft.com/office/drawing/2014/main" val="20000"/>
+                    </a:ext>
+                  </a:extLst>
+                </a:gridCol>
+                <a:gridCol w="2497282">
+                  <a:extLst>
+                    <a:ext uri="{9D8B030D-6E8A-4147-A177-3AD203B41FA5}">
+                      <a16:colId xmlns:a16="http://schemas.microsoft.com/office/drawing/2014/main" val="20001"/>
+                    </a:ext>
+                  </a:extLst>
+                </a:gridCol>
+                <a:gridCol w="2497282">
+                  <a:extLst>
+                    <a:ext uri="{9D8B030D-6E8A-4147-A177-3AD203B41FA5}">
+                      <a16:colId xmlns:a16="http://schemas.microsoft.com/office/drawing/2014/main" val="20002"/>
+                    </a:ext>
+                  </a:extLst>
+                </a:gridCol>
+                <a:gridCol w="2497282">
+                  <a:extLst>
+                    <a:ext uri="{9D8B030D-6E8A-4147-A177-3AD203B41FA5}">
+                      <a16:colId xmlns:a16="http://schemas.microsoft.com/office/drawing/2014/main" val="20003"/>
+                    </a:ext>
+                  </a:extLst>
+                </a:gridCol>
               </a:tblGrid>
               <a:tr h="0">
                 <a:tc>
@@ -17732,10 +18309,9 @@
                     <a:lstStyle/>
                     <a:p>
                       <a:r>
-                        <a:rPr lang="en-IN" dirty="0" smtClean="0"/>
+                        <a:rPr lang="en-IN" dirty="0"/>
                         <a:t>Component</a:t>
                       </a:r>
-                      <a:endParaRPr lang="en-IN" dirty="0"/>
                     </a:p>
                   </a:txBody>
                   <a:tcPr/>
@@ -17746,11 +18322,11 @@
                     <a:lstStyle/>
                     <a:p>
                       <a:r>
-                        <a:rPr lang="en-IN" dirty="0" smtClean="0"/>
+                        <a:rPr lang="en-IN" dirty="0"/>
                         <a:t>Price Per</a:t>
                       </a:r>
                       <a:r>
-                        <a:rPr lang="en-IN" baseline="0" dirty="0" smtClean="0"/>
+                        <a:rPr lang="en-IN" baseline="0" dirty="0"/>
                         <a:t> Piece (INR)</a:t>
                       </a:r>
                       <a:endParaRPr lang="en-IN" dirty="0"/>
@@ -17764,10 +18340,9 @@
                     <a:lstStyle/>
                     <a:p>
                       <a:r>
-                        <a:rPr lang="en-IN" dirty="0" smtClean="0"/>
+                        <a:rPr lang="en-IN" dirty="0"/>
                         <a:t>Quantity Required</a:t>
                       </a:r>
-                      <a:endParaRPr lang="en-IN" dirty="0"/>
                     </a:p>
                   </a:txBody>
                   <a:tcPr/>
@@ -17778,14 +18353,18 @@
                     <a:lstStyle/>
                     <a:p>
                       <a:r>
-                        <a:rPr lang="en-IN" dirty="0" smtClean="0"/>
+                        <a:rPr lang="en-IN" dirty="0"/>
                         <a:t>Total (INR)</a:t>
                       </a:r>
-                      <a:endParaRPr lang="en-IN" dirty="0"/>
                     </a:p>
                   </a:txBody>
                   <a:tcPr/>
                 </a:tc>
+                <a:extLst>
+                  <a:ext uri="{0D108BD9-81ED-4DB2-BD59-A6C34878D82A}">
+                    <a16:rowId xmlns:a16="http://schemas.microsoft.com/office/drawing/2014/main" val="10000"/>
+                  </a:ext>
+                </a:extLst>
               </a:tr>
               <a:tr h="370840">
                 <a:tc>
@@ -17794,7 +18373,7 @@
                     <a:lstStyle/>
                     <a:p>
                       <a:r>
-                        <a:rPr lang="en-IN" dirty="0" smtClean="0">
+                        <a:rPr lang="en-IN" dirty="0">
                           <a:solidFill>
                             <a:schemeClr val="tx1"/>
                           </a:solidFill>
@@ -17805,7 +18384,7 @@
                     </a:p>
                     <a:p>
                       <a:r>
-                        <a:rPr lang="en-IN" dirty="0" smtClean="0">
+                        <a:rPr lang="en-IN" dirty="0">
                           <a:solidFill>
                             <a:schemeClr val="tx1"/>
                           </a:solidFill>
@@ -17824,10 +18403,9 @@
                     <a:lstStyle/>
                     <a:p>
                       <a:r>
-                        <a:rPr lang="en-IN" dirty="0" smtClean="0"/>
+                        <a:rPr lang="en-IN" dirty="0"/>
                         <a:t>1200</a:t>
                       </a:r>
-                      <a:endParaRPr lang="en-IN" dirty="0"/>
                     </a:p>
                   </a:txBody>
                   <a:tcPr/>
@@ -17838,10 +18416,9 @@
                     <a:lstStyle/>
                     <a:p>
                       <a:r>
-                        <a:rPr lang="en-IN" dirty="0" smtClean="0"/>
+                        <a:rPr lang="en-IN" dirty="0"/>
                         <a:t>1</a:t>
                       </a:r>
-                      <a:endParaRPr lang="en-IN" dirty="0"/>
                     </a:p>
                   </a:txBody>
                   <a:tcPr/>
@@ -17852,14 +18429,18 @@
                     <a:lstStyle/>
                     <a:p>
                       <a:r>
-                        <a:rPr lang="en-IN" dirty="0" smtClean="0"/>
+                        <a:rPr lang="en-IN" dirty="0"/>
                         <a:t>1200</a:t>
                       </a:r>
-                      <a:endParaRPr lang="en-IN" dirty="0"/>
                     </a:p>
                   </a:txBody>
                   <a:tcPr/>
                 </a:tc>
+                <a:extLst>
+                  <a:ext uri="{0D108BD9-81ED-4DB2-BD59-A6C34878D82A}">
+                    <a16:rowId xmlns:a16="http://schemas.microsoft.com/office/drawing/2014/main" val="10001"/>
+                  </a:ext>
+                </a:extLst>
               </a:tr>
               <a:tr h="370840">
                 <a:tc>
@@ -17868,7 +18449,7 @@
                     <a:lstStyle/>
                     <a:p>
                       <a:r>
-                        <a:rPr lang="en-IN" dirty="0" smtClean="0">
+                        <a:rPr lang="en-IN" dirty="0">
                           <a:solidFill>
                             <a:schemeClr val="tx1"/>
                           </a:solidFill>
@@ -17887,10 +18468,9 @@
                     <a:lstStyle/>
                     <a:p>
                       <a:r>
-                        <a:rPr lang="en-IN" dirty="0" smtClean="0"/>
+                        <a:rPr lang="en-IN" dirty="0"/>
                         <a:t>50</a:t>
                       </a:r>
-                      <a:endParaRPr lang="en-IN" dirty="0"/>
                     </a:p>
                   </a:txBody>
                   <a:tcPr/>
@@ -17901,10 +18481,9 @@
                     <a:lstStyle/>
                     <a:p>
                       <a:r>
-                        <a:rPr lang="en-IN" dirty="0" smtClean="0"/>
+                        <a:rPr lang="en-IN" dirty="0"/>
                         <a:t>1</a:t>
                       </a:r>
-                      <a:endParaRPr lang="en-IN" dirty="0"/>
                     </a:p>
                   </a:txBody>
                   <a:tcPr/>
@@ -17915,14 +18494,18 @@
                     <a:lstStyle/>
                     <a:p>
                       <a:r>
-                        <a:rPr lang="en-IN" dirty="0" smtClean="0"/>
+                        <a:rPr lang="en-IN" dirty="0"/>
                         <a:t>50</a:t>
                       </a:r>
-                      <a:endParaRPr lang="en-IN" dirty="0"/>
                     </a:p>
                   </a:txBody>
                   <a:tcPr/>
                 </a:tc>
+                <a:extLst>
+                  <a:ext uri="{0D108BD9-81ED-4DB2-BD59-A6C34878D82A}">
+                    <a16:rowId xmlns:a16="http://schemas.microsoft.com/office/drawing/2014/main" val="10002"/>
+                  </a:ext>
+                </a:extLst>
               </a:tr>
               <a:tr h="370840">
                 <a:tc>
@@ -17931,7 +18514,7 @@
                     <a:lstStyle/>
                     <a:p>
                       <a:r>
-                        <a:rPr lang="en-IN" dirty="0" smtClean="0">
+                        <a:rPr lang="en-IN" dirty="0">
                           <a:solidFill>
                             <a:schemeClr val="tx1"/>
                           </a:solidFill>
@@ -17950,10 +18533,9 @@
                     <a:lstStyle/>
                     <a:p>
                       <a:r>
-                        <a:rPr lang="en-IN" dirty="0" smtClean="0"/>
+                        <a:rPr lang="en-IN" dirty="0"/>
                         <a:t>200</a:t>
                       </a:r>
-                      <a:endParaRPr lang="en-IN" dirty="0"/>
                     </a:p>
                   </a:txBody>
                   <a:tcPr/>
@@ -17964,10 +18546,9 @@
                     <a:lstStyle/>
                     <a:p>
                       <a:r>
-                        <a:rPr lang="en-IN" dirty="0" smtClean="0"/>
+                        <a:rPr lang="en-IN" dirty="0"/>
                         <a:t>1</a:t>
                       </a:r>
-                      <a:endParaRPr lang="en-IN" dirty="0"/>
                     </a:p>
                   </a:txBody>
                   <a:tcPr/>
@@ -17978,14 +18559,18 @@
                     <a:lstStyle/>
                     <a:p>
                       <a:r>
-                        <a:rPr lang="en-IN" dirty="0" smtClean="0"/>
+                        <a:rPr lang="en-IN" dirty="0"/>
                         <a:t>200</a:t>
                       </a:r>
-                      <a:endParaRPr lang="en-IN" dirty="0"/>
                     </a:p>
                   </a:txBody>
                   <a:tcPr/>
                 </a:tc>
+                <a:extLst>
+                  <a:ext uri="{0D108BD9-81ED-4DB2-BD59-A6C34878D82A}">
+                    <a16:rowId xmlns:a16="http://schemas.microsoft.com/office/drawing/2014/main" val="10003"/>
+                  </a:ext>
+                </a:extLst>
               </a:tr>
               <a:tr h="370840">
                 <a:tc>
@@ -17994,7 +18579,7 @@
                     <a:lstStyle/>
                     <a:p>
                       <a:r>
-                        <a:rPr lang="en-IN" dirty="0" smtClean="0">
+                        <a:rPr lang="en-IN" dirty="0">
                           <a:solidFill>
                             <a:schemeClr val="tx1"/>
                           </a:solidFill>
@@ -18013,10 +18598,9 @@
                     <a:lstStyle/>
                     <a:p>
                       <a:r>
-                        <a:rPr lang="en-IN" dirty="0" smtClean="0"/>
+                        <a:rPr lang="en-IN" dirty="0"/>
                         <a:t>100</a:t>
                       </a:r>
-                      <a:endParaRPr lang="en-IN" dirty="0"/>
                     </a:p>
                   </a:txBody>
                   <a:tcPr/>
@@ -18027,10 +18611,9 @@
                     <a:lstStyle/>
                     <a:p>
                       <a:r>
-                        <a:rPr lang="en-IN" dirty="0" smtClean="0"/>
+                        <a:rPr lang="en-IN" dirty="0"/>
                         <a:t>1</a:t>
                       </a:r>
-                      <a:endParaRPr lang="en-IN" dirty="0"/>
                     </a:p>
                   </a:txBody>
                   <a:tcPr/>
@@ -18041,14 +18624,18 @@
                     <a:lstStyle/>
                     <a:p>
                       <a:r>
-                        <a:rPr lang="en-IN" dirty="0" smtClean="0"/>
+                        <a:rPr lang="en-IN" dirty="0"/>
                         <a:t>100</a:t>
                       </a:r>
-                      <a:endParaRPr lang="en-IN" dirty="0"/>
                     </a:p>
                   </a:txBody>
                   <a:tcPr/>
                 </a:tc>
+                <a:extLst>
+                  <a:ext uri="{0D108BD9-81ED-4DB2-BD59-A6C34878D82A}">
+                    <a16:rowId xmlns:a16="http://schemas.microsoft.com/office/drawing/2014/main" val="10004"/>
+                  </a:ext>
+                </a:extLst>
               </a:tr>
               <a:tr h="370840">
                 <a:tc>
@@ -18057,7 +18644,7 @@
                     <a:lstStyle/>
                     <a:p>
                       <a:r>
-                        <a:rPr lang="en-IN" dirty="0" smtClean="0">
+                        <a:rPr lang="en-IN" dirty="0">
                           <a:solidFill>
                             <a:schemeClr val="tx1"/>
                           </a:solidFill>
@@ -18076,10 +18663,9 @@
                     <a:lstStyle/>
                     <a:p>
                       <a:r>
-                        <a:rPr lang="en-IN" dirty="0" smtClean="0"/>
+                        <a:rPr lang="en-IN" dirty="0"/>
                         <a:t>20</a:t>
                       </a:r>
-                      <a:endParaRPr lang="en-IN" dirty="0"/>
                     </a:p>
                   </a:txBody>
                   <a:tcPr/>
@@ -18090,10 +18676,9 @@
                     <a:lstStyle/>
                     <a:p>
                       <a:r>
-                        <a:rPr lang="en-IN" dirty="0" smtClean="0"/>
+                        <a:rPr lang="en-IN" dirty="0"/>
                         <a:t>2</a:t>
                       </a:r>
-                      <a:endParaRPr lang="en-IN" dirty="0"/>
                     </a:p>
                   </a:txBody>
                   <a:tcPr/>
@@ -18104,14 +18689,18 @@
                     <a:lstStyle/>
                     <a:p>
                       <a:r>
-                        <a:rPr lang="en-IN" dirty="0" smtClean="0"/>
+                        <a:rPr lang="en-IN" dirty="0"/>
                         <a:t>40</a:t>
                       </a:r>
-                      <a:endParaRPr lang="en-IN" dirty="0"/>
                     </a:p>
                   </a:txBody>
                   <a:tcPr/>
                 </a:tc>
+                <a:extLst>
+                  <a:ext uri="{0D108BD9-81ED-4DB2-BD59-A6C34878D82A}">
+                    <a16:rowId xmlns:a16="http://schemas.microsoft.com/office/drawing/2014/main" val="10005"/>
+                  </a:ext>
+                </a:extLst>
               </a:tr>
               <a:tr h="370840">
                 <a:tc>
@@ -18120,7 +18709,7 @@
                     <a:lstStyle/>
                     <a:p>
                       <a:r>
-                        <a:rPr lang="en-IN" dirty="0" smtClean="0">
+                        <a:rPr lang="en-IN" dirty="0">
                           <a:solidFill>
                             <a:schemeClr val="tx1"/>
                           </a:solidFill>
@@ -18139,10 +18728,9 @@
                     <a:lstStyle/>
                     <a:p>
                       <a:r>
-                        <a:rPr lang="en-IN" dirty="0" smtClean="0"/>
+                        <a:rPr lang="en-IN" dirty="0"/>
                         <a:t>30</a:t>
                       </a:r>
-                      <a:endParaRPr lang="en-IN" dirty="0"/>
                     </a:p>
                   </a:txBody>
                   <a:tcPr/>
@@ -18153,10 +18741,9 @@
                     <a:lstStyle/>
                     <a:p>
                       <a:r>
-                        <a:rPr lang="en-IN" dirty="0" smtClean="0"/>
+                        <a:rPr lang="en-IN" dirty="0"/>
                         <a:t>5</a:t>
                       </a:r>
-                      <a:endParaRPr lang="en-IN" dirty="0"/>
                     </a:p>
                   </a:txBody>
                   <a:tcPr/>
@@ -18167,14 +18754,18 @@
                     <a:lstStyle/>
                     <a:p>
                       <a:r>
-                        <a:rPr lang="en-IN" dirty="0" smtClean="0"/>
+                        <a:rPr lang="en-IN" dirty="0"/>
                         <a:t>150</a:t>
                       </a:r>
-                      <a:endParaRPr lang="en-IN" dirty="0"/>
                     </a:p>
                   </a:txBody>
                   <a:tcPr/>
                 </a:tc>
+                <a:extLst>
+                  <a:ext uri="{0D108BD9-81ED-4DB2-BD59-A6C34878D82A}">
+                    <a16:rowId xmlns:a16="http://schemas.microsoft.com/office/drawing/2014/main" val="10006"/>
+                  </a:ext>
+                </a:extLst>
               </a:tr>
               <a:tr h="370840">
                 <a:tc>
@@ -18183,7 +18774,7 @@
                     <a:lstStyle/>
                     <a:p>
                       <a:r>
-                        <a:rPr lang="en-IN" dirty="0" smtClean="0">
+                        <a:rPr lang="en-IN" dirty="0">
                           <a:solidFill>
                             <a:schemeClr val="tx1"/>
                           </a:solidFill>
@@ -18202,10 +18793,9 @@
                     <a:lstStyle/>
                     <a:p>
                       <a:r>
-                        <a:rPr lang="en-IN" dirty="0" smtClean="0"/>
+                        <a:rPr lang="en-IN" dirty="0"/>
                         <a:t>250</a:t>
                       </a:r>
-                      <a:endParaRPr lang="en-IN" dirty="0"/>
                     </a:p>
                   </a:txBody>
                   <a:tcPr/>
@@ -18216,10 +18806,9 @@
                     <a:lstStyle/>
                     <a:p>
                       <a:r>
-                        <a:rPr lang="en-IN" dirty="0" smtClean="0"/>
+                        <a:rPr lang="en-IN" dirty="0"/>
                         <a:t>-</a:t>
                       </a:r>
-                      <a:endParaRPr lang="en-IN" dirty="0"/>
                     </a:p>
                   </a:txBody>
                   <a:tcPr/>
@@ -18230,14 +18819,18 @@
                     <a:lstStyle/>
                     <a:p>
                       <a:r>
-                        <a:rPr lang="en-IN" dirty="0" smtClean="0"/>
+                        <a:rPr lang="en-IN" dirty="0"/>
                         <a:t>250</a:t>
                       </a:r>
-                      <a:endParaRPr lang="en-IN" dirty="0"/>
                     </a:p>
                   </a:txBody>
                   <a:tcPr/>
                 </a:tc>
+                <a:extLst>
+                  <a:ext uri="{0D108BD9-81ED-4DB2-BD59-A6C34878D82A}">
+                    <a16:rowId xmlns:a16="http://schemas.microsoft.com/office/drawing/2014/main" val="10007"/>
+                  </a:ext>
+                </a:extLst>
               </a:tr>
               <a:tr h="370840">
                 <a:tc>
@@ -18246,7 +18839,7 @@
                     <a:lstStyle/>
                     <a:p>
                       <a:r>
-                        <a:rPr lang="en-IN" dirty="0" smtClean="0">
+                        <a:rPr lang="en-IN" dirty="0">
                           <a:solidFill>
                             <a:schemeClr val="tx1"/>
                           </a:solidFill>
@@ -18265,10 +18858,9 @@
                     <a:lstStyle/>
                     <a:p>
                       <a:r>
-                        <a:rPr lang="en-IN" dirty="0" smtClean="0"/>
+                        <a:rPr lang="en-IN" dirty="0"/>
                         <a:t>500</a:t>
                       </a:r>
-                      <a:endParaRPr lang="en-IN" dirty="0"/>
                     </a:p>
                   </a:txBody>
                   <a:tcPr/>
@@ -18279,10 +18871,9 @@
                     <a:lstStyle/>
                     <a:p>
                       <a:r>
-                        <a:rPr lang="en-IN" dirty="0" smtClean="0"/>
+                        <a:rPr lang="en-IN" dirty="0"/>
                         <a:t>-</a:t>
                       </a:r>
-                      <a:endParaRPr lang="en-IN" dirty="0"/>
                     </a:p>
                   </a:txBody>
                   <a:tcPr/>
@@ -18293,14 +18884,18 @@
                     <a:lstStyle/>
                     <a:p>
                       <a:r>
-                        <a:rPr lang="en-IN" dirty="0" smtClean="0"/>
+                        <a:rPr lang="en-IN" dirty="0"/>
                         <a:t>500</a:t>
                       </a:r>
-                      <a:endParaRPr lang="en-IN" dirty="0"/>
                     </a:p>
                   </a:txBody>
                   <a:tcPr/>
                 </a:tc>
+                <a:extLst>
+                  <a:ext uri="{0D108BD9-81ED-4DB2-BD59-A6C34878D82A}">
+                    <a16:rowId xmlns:a16="http://schemas.microsoft.com/office/drawing/2014/main" val="10008"/>
+                  </a:ext>
+                </a:extLst>
               </a:tr>
             </a:tbl>
           </a:graphicData>
@@ -18342,18 +18937,15 @@
           <a:lstStyle/>
           <a:p>
             <a:r>
-              <a:rPr lang="en-IN" sz="3600" b="1" dirty="0" smtClean="0"/>
+              <a:rPr lang="en-IN" sz="3600" b="1" dirty="0"/>
               <a:t>Total - Rs </a:t>
             </a:r>
             <a:r>
-              <a:rPr lang="en-IN" sz="3600" b="1" dirty="0" smtClean="0">
+              <a:rPr lang="en-IN" sz="3600" b="1" dirty="0">
                 <a:latin typeface="Century Gothic" panose="020B0502020202020204" pitchFamily="34" charset="0"/>
               </a:rPr>
               <a:t>2490</a:t>
             </a:r>
-            <a:endParaRPr lang="en-IN" sz="3600" b="1" dirty="0">
-              <a:latin typeface="Century Gothic" panose="020B0502020202020204" pitchFamily="34" charset="0"/>
-            </a:endParaRPr>
           </a:p>
         </p:txBody>
       </p:sp>
@@ -18370,13 +18962,6 @@
   <p:transition spd="slow">
     <p:push dir="u"/>
   </p:transition>
-  <p:timing>
-    <p:tnLst>
-      <p:par>
-        <p:cTn id="1" dur="indefinite" restart="never" nodeType="tmRoot"/>
-      </p:par>
-    </p:tnLst>
-  </p:timing>
 </p:sld>
 </file>
 
@@ -18422,7 +19007,7 @@
           <a:lstStyle/>
           <a:p>
             <a:r>
-              <a:rPr lang="en-US" sz="4400" dirty="0" smtClean="0">
+              <a:rPr lang="en-US" sz="4400" dirty="0">
                 <a:ln w="0"/>
                 <a:effectLst>
                   <a:outerShdw blurRad="38100" dist="19050" dir="2700000" algn="tl" rotWithShape="0">
@@ -18503,7 +19088,6 @@
               <a:rPr lang="en-IN" dirty="0"/>
               <a:t>as well as </a:t>
             </a:r>
-            <a:endParaRPr lang="en-IN" dirty="0" smtClean="0"/>
           </a:p>
           <a:p>
             <a:pPr marL="0" indent="0">
@@ -18511,27 +19095,15 @@
             </a:pPr>
             <a:r>
               <a:rPr lang="en-IN" dirty="0"/>
-              <a:t> </a:t>
-            </a:r>
-            <a:r>
-              <a:rPr lang="en-IN" dirty="0" smtClean="0"/>
-              <a:t>    </a:t>
-            </a:r>
-            <a:r>
-              <a:rPr lang="en-IN" b="1" dirty="0" smtClean="0"/>
-              <a:t>principle </a:t>
+              <a:t>     </a:t>
             </a:r>
             <a:r>
               <a:rPr lang="en-IN" b="1" dirty="0"/>
-              <a:t>amount </a:t>
+              <a:t>principle amount </a:t>
             </a:r>
             <a:r>
               <a:rPr lang="en-IN" dirty="0"/>
-              <a:t>that we estimated in cost analysis</a:t>
-            </a:r>
-            <a:r>
-              <a:rPr lang="en-IN" dirty="0" smtClean="0"/>
-              <a:t>.</a:t>
+              <a:t>that we estimated in cost analysis.</a:t>
             </a:r>
           </a:p>
           <a:p>
@@ -18560,22 +19132,14 @@
             </a:pPr>
             <a:r>
               <a:rPr lang="en-IN" dirty="0"/>
-              <a:t> </a:t>
-            </a:r>
-            <a:r>
-              <a:rPr lang="en-IN" dirty="0" smtClean="0"/>
-              <a:t>   entirely </a:t>
-            </a:r>
-            <a:r>
-              <a:rPr lang="en-IN" dirty="0"/>
-              <a:t>depend on how we plan to produce it at </a:t>
+              <a:t>    entirely depend on how we plan to produce it at </a:t>
             </a:r>
             <a:r>
               <a:rPr lang="en-IN" b="1" dirty="0"/>
               <a:t>commercial level</a:t>
             </a:r>
             <a:r>
-              <a:rPr lang="en-IN" dirty="0" smtClean="0"/>
+              <a:rPr lang="en-IN" dirty="0"/>
               <a:t>.</a:t>
             </a:r>
           </a:p>
@@ -18622,13 +19186,6 @@
   <p:transition spd="slow">
     <p:push dir="u"/>
   </p:transition>
-  <p:timing>
-    <p:tnLst>
-      <p:par>
-        <p:cTn id="1" dur="indefinite" restart="never" nodeType="tmRoot"/>
-      </p:par>
-    </p:tnLst>
-  </p:timing>
 </p:sld>
 </file>
 
@@ -18762,7 +19319,7 @@
           <a:lstStyle/>
           <a:p>
             <a:r>
-              <a:rPr lang="en-IN" sz="4400" dirty="0" smtClean="0">
+              <a:rPr lang="en-IN" sz="4400" dirty="0">
                 <a:ln w="0"/>
                 <a:effectLst>
                   <a:outerShdw blurRad="38100" dist="19050" dir="2700000" algn="tl" rotWithShape="0">
@@ -18775,17 +19332,6 @@
               </a:rPr>
               <a:t>APPLICATIONS</a:t>
             </a:r>
-            <a:endParaRPr lang="en-IN" sz="4400" dirty="0">
-              <a:ln w="0"/>
-              <a:effectLst>
-                <a:outerShdw blurRad="38100" dist="19050" dir="2700000" algn="tl" rotWithShape="0">
-                  <a:schemeClr val="dk1">
-                    <a:alpha val="40000"/>
-                  </a:schemeClr>
-                </a:outerShdw>
-              </a:effectLst>
-              <a:latin typeface="Berlin Sans FB" panose="020E0602020502020306" pitchFamily="34" charset="0"/>
-            </a:endParaRPr>
           </a:p>
         </p:txBody>
       </p:sp>
@@ -18802,13 +19348,6 @@
   <p:transition spd="slow">
     <p:push dir="u"/>
   </p:transition>
-  <p:timing>
-    <p:tnLst>
-      <p:par>
-        <p:cTn id="1" dur="indefinite" restart="never" nodeType="tmRoot"/>
-      </p:par>
-    </p:tnLst>
-  </p:timing>
 </p:sld>
 </file>
 
@@ -18887,23 +19426,8 @@
                 </a:solidFill>
                 <a:latin typeface="Century Gothic" panose="020B0502020202020204" pitchFamily="34" charset="0"/>
               </a:rPr>
-              <a:t>from the mobile phone in order to operate devices from it</a:t>
-            </a:r>
-            <a:r>
-              <a:rPr lang="en-IN" dirty="0" smtClean="0">
-                <a:solidFill>
-                  <a:schemeClr val="tx1"/>
-                </a:solidFill>
-                <a:latin typeface="Century Gothic" panose="020B0502020202020204" pitchFamily="34" charset="0"/>
-              </a:rPr>
-              <a:t>.</a:t>
-            </a:r>
-            <a:endParaRPr lang="en-IN" dirty="0">
-              <a:solidFill>
-                <a:schemeClr val="tx1"/>
-              </a:solidFill>
-              <a:latin typeface="Century Gothic" panose="020B0502020202020204" pitchFamily="34" charset="0"/>
-            </a:endParaRPr>
+              <a:t>from the mobile phone in order to operate devices from it.</a:t>
+            </a:r>
           </a:p>
           <a:p>
             <a:pPr marL="285750" indent="-285750"/>
@@ -18932,23 +19456,8 @@
                 </a:solidFill>
                 <a:latin typeface="Century Gothic" panose="020B0502020202020204" pitchFamily="34" charset="0"/>
               </a:rPr>
-              <a:t>to the main circuit at home in order for wireless home automation</a:t>
-            </a:r>
-            <a:r>
-              <a:rPr lang="en-IN" dirty="0" smtClean="0">
-                <a:solidFill>
-                  <a:schemeClr val="tx1"/>
-                </a:solidFill>
-                <a:latin typeface="Century Gothic" panose="020B0502020202020204" pitchFamily="34" charset="0"/>
-              </a:rPr>
-              <a:t>.</a:t>
-            </a:r>
-            <a:endParaRPr lang="en-IN" dirty="0">
-              <a:solidFill>
-                <a:schemeClr val="tx1"/>
-              </a:solidFill>
-              <a:latin typeface="Century Gothic" panose="020B0502020202020204" pitchFamily="34" charset="0"/>
-            </a:endParaRPr>
+              <a:t>to the main circuit at home in order for wireless home automation.</a:t>
+            </a:r>
           </a:p>
           <a:p>
             <a:pPr marL="285750" indent="-285750"/>
@@ -18977,23 +19486,8 @@
                 </a:solidFill>
                 <a:latin typeface="Century Gothic" panose="020B0502020202020204" pitchFamily="34" charset="0"/>
               </a:rPr>
-              <a:t>that we want to operate through the mobile</a:t>
-            </a:r>
-            <a:r>
-              <a:rPr lang="en-IN" dirty="0" smtClean="0">
-                <a:solidFill>
-                  <a:schemeClr val="tx1"/>
-                </a:solidFill>
-                <a:latin typeface="Century Gothic" panose="020B0502020202020204" pitchFamily="34" charset="0"/>
-              </a:rPr>
-              <a:t>.</a:t>
-            </a:r>
-            <a:endParaRPr lang="en-IN" dirty="0">
-              <a:solidFill>
-                <a:schemeClr val="tx1"/>
-              </a:solidFill>
-              <a:latin typeface="Century Gothic" panose="020B0502020202020204" pitchFamily="34" charset="0"/>
-            </a:endParaRPr>
+              <a:t>that we want to operate through the mobile.</a:t>
+            </a:r>
           </a:p>
           <a:p>
             <a:pPr marL="285750" indent="-285750"/>
@@ -19068,7 +19562,7 @@
           <a:lstStyle/>
           <a:p>
             <a:r>
-              <a:rPr lang="en-IN" sz="4400" dirty="0" smtClean="0">
+              <a:rPr lang="en-IN" sz="4400" dirty="0">
                 <a:ln w="0"/>
                 <a:effectLst>
                   <a:outerShdw blurRad="38100" dist="19050" dir="2700000" algn="tl" rotWithShape="0">
@@ -19081,17 +19575,6 @@
               </a:rPr>
               <a:t>LIMITATIONS</a:t>
             </a:r>
-            <a:endParaRPr lang="en-IN" sz="4400" dirty="0">
-              <a:ln w="0"/>
-              <a:effectLst>
-                <a:outerShdw blurRad="38100" dist="19050" dir="2700000" algn="tl" rotWithShape="0">
-                  <a:schemeClr val="dk1">
-                    <a:alpha val="40000"/>
-                  </a:schemeClr>
-                </a:outerShdw>
-              </a:effectLst>
-              <a:latin typeface="Berlin Sans FB" panose="020E0602020502020306" pitchFamily="34" charset="0"/>
-            </a:endParaRPr>
           </a:p>
         </p:txBody>
       </p:sp>
@@ -19108,13 +19591,6 @@
   <p:transition spd="slow">
     <p:push dir="u"/>
   </p:transition>
-  <p:timing>
-    <p:tnLst>
-      <p:par>
-        <p:cTn id="1" dur="indefinite" restart="never" nodeType="tmRoot"/>
-      </p:par>
-    </p:tnLst>
-  </p:timing>
 </p:sld>
 </file>
 
@@ -19162,13 +19638,6 @@
   <p:transition spd="slow">
     <p:push dir="u"/>
   </p:transition>
-  <p:timing>
-    <p:tnLst>
-      <p:par>
-        <p:cTn id="1" dur="indefinite" restart="never" nodeType="tmRoot"/>
-      </p:par>
-    </p:tnLst>
-  </p:timing>
 </p:sld>
 </file>
 
@@ -19229,17 +19698,11 @@
                 </a:solidFill>
                 <a:latin typeface="Century Gothic" panose="020B0502020202020204" pitchFamily="34" charset="0"/>
               </a:rPr>
-              <a:t>covers all the aspects of centralized control of lighting</a:t>
-            </a:r>
-            <a:r>
-              <a:rPr lang="en-IN" dirty="0" smtClean="0">
-                <a:solidFill>
-                  <a:schemeClr val="tx1"/>
-                </a:solidFill>
-                <a:latin typeface="Century Gothic" panose="020B0502020202020204" pitchFamily="34" charset="0"/>
-              </a:rPr>
-              <a:t>,</a:t>
-            </a:r>
+              <a:t>covers all the aspects of centralized control of lighting, HVAC (heating, ventilation and air conditioning), home appliances, security locks of windows and doors. </a:t>
+            </a:r>
+          </a:p>
+          <a:p>
+            <a:pPr marL="285750" indent="-285750"/>
             <a:r>
               <a:rPr lang="en-IN" dirty="0">
                 <a:solidFill>
@@ -19247,64 +19710,7 @@
                 </a:solidFill>
                 <a:latin typeface="Century Gothic" panose="020B0502020202020204" pitchFamily="34" charset="0"/>
               </a:rPr>
-              <a:t> </a:t>
-            </a:r>
-            <a:r>
-              <a:rPr lang="en-IN" dirty="0" smtClean="0">
-                <a:solidFill>
-                  <a:schemeClr val="tx1"/>
-                </a:solidFill>
-                <a:latin typeface="Century Gothic" panose="020B0502020202020204" pitchFamily="34" charset="0"/>
-              </a:rPr>
-              <a:t>HVAC (heating</a:t>
-            </a:r>
-            <a:r>
-              <a:rPr lang="en-IN" dirty="0">
-                <a:solidFill>
-                  <a:schemeClr val="tx1"/>
-                </a:solidFill>
-                <a:latin typeface="Century Gothic" panose="020B0502020202020204" pitchFamily="34" charset="0"/>
-              </a:rPr>
-              <a:t>, ventilation and air conditioning), home appliances, security locks of </a:t>
-            </a:r>
-            <a:r>
-              <a:rPr lang="en-IN" dirty="0" smtClean="0">
-                <a:solidFill>
-                  <a:schemeClr val="tx1"/>
-                </a:solidFill>
-                <a:latin typeface="Century Gothic" panose="020B0502020202020204" pitchFamily="34" charset="0"/>
-              </a:rPr>
-              <a:t>windows </a:t>
-            </a:r>
-            <a:r>
-              <a:rPr lang="en-IN" dirty="0">
-                <a:solidFill>
-                  <a:schemeClr val="tx1"/>
-                </a:solidFill>
-                <a:latin typeface="Century Gothic" panose="020B0502020202020204" pitchFamily="34" charset="0"/>
-              </a:rPr>
-              <a:t>and doors. </a:t>
-            </a:r>
-          </a:p>
-          <a:p>
-            <a:pPr marL="285750" indent="-285750"/>
-            <a:r>
-              <a:rPr lang="en-IN" dirty="0" smtClean="0">
-                <a:solidFill>
-                  <a:schemeClr val="tx1"/>
-                </a:solidFill>
-                <a:latin typeface="Century Gothic" panose="020B0502020202020204" pitchFamily="34" charset="0"/>
-              </a:rPr>
-              <a:t>Wireless </a:t>
-            </a:r>
-            <a:r>
-              <a:rPr lang="en-IN" dirty="0">
-                <a:solidFill>
-                  <a:schemeClr val="tx1"/>
-                </a:solidFill>
-                <a:latin typeface="Century Gothic" panose="020B0502020202020204" pitchFamily="34" charset="0"/>
-              </a:rPr>
-              <a:t>home automation provides </a:t>
+              <a:t>Wireless home automation provides </a:t>
             </a:r>
             <a:r>
               <a:rPr lang="en-IN" b="1" dirty="0">
@@ -19325,7 +19731,7 @@
               <a:t>and </a:t>
             </a:r>
             <a:r>
-              <a:rPr lang="en-IN" b="1" dirty="0" smtClean="0">
+              <a:rPr lang="en-IN" b="1" dirty="0">
                 <a:solidFill>
                   <a:schemeClr val="tx1"/>
                 </a:solidFill>
@@ -19334,83 +19740,14 @@
               <a:t>increases</a:t>
             </a:r>
             <a:r>
-              <a:rPr lang="en-IN" dirty="0" smtClean="0">
-                <a:solidFill>
-                  <a:schemeClr val="tx1"/>
-                </a:solidFill>
-                <a:latin typeface="Century Gothic" panose="020B0502020202020204" pitchFamily="34" charset="0"/>
-              </a:rPr>
-              <a:t> </a:t>
-            </a:r>
-            <a:r>
               <a:rPr lang="en-IN" dirty="0">
                 <a:solidFill>
                   <a:schemeClr val="tx1"/>
                 </a:solidFill>
                 <a:latin typeface="Century Gothic" panose="020B0502020202020204" pitchFamily="34" charset="0"/>
               </a:rPr>
-              <a:t>quality of life </a:t>
-            </a:r>
-            <a:r>
-              <a:rPr lang="en-IN" dirty="0" smtClean="0">
-                <a:solidFill>
-                  <a:schemeClr val="tx1"/>
-                </a:solidFill>
-                <a:latin typeface="Century Gothic" panose="020B0502020202020204" pitchFamily="34" charset="0"/>
-              </a:rPr>
-              <a:t>for </a:t>
-            </a:r>
-            <a:r>
-              <a:rPr lang="en-IN" dirty="0">
-                <a:solidFill>
-                  <a:schemeClr val="tx1"/>
-                </a:solidFill>
-                <a:latin typeface="Century Gothic" panose="020B0502020202020204" pitchFamily="34" charset="0"/>
-              </a:rPr>
-              <a:t>the elderly and disabled </a:t>
-            </a:r>
-            <a:r>
-              <a:rPr lang="en-IN" dirty="0" smtClean="0">
-                <a:solidFill>
-                  <a:schemeClr val="tx1"/>
-                </a:solidFill>
-                <a:latin typeface="Century Gothic" panose="020B0502020202020204" pitchFamily="34" charset="0"/>
-              </a:rPr>
-              <a:t>who </a:t>
-            </a:r>
-            <a:r>
-              <a:rPr lang="en-IN" dirty="0">
-                <a:solidFill>
-                  <a:schemeClr val="tx1"/>
-                </a:solidFill>
-                <a:latin typeface="Century Gothic" panose="020B0502020202020204" pitchFamily="34" charset="0"/>
-              </a:rPr>
-              <a:t>might otherwise require specialised care and </a:t>
-            </a:r>
-            <a:r>
-              <a:rPr lang="en-IN" dirty="0" smtClean="0">
-                <a:solidFill>
-                  <a:schemeClr val="tx1"/>
-                </a:solidFill>
-                <a:latin typeface="Century Gothic" panose="020B0502020202020204" pitchFamily="34" charset="0"/>
-              </a:rPr>
-              <a:t>be </a:t>
-            </a:r>
-            <a:r>
-              <a:rPr lang="en-IN" dirty="0">
-                <a:solidFill>
-                  <a:schemeClr val="tx1"/>
-                </a:solidFill>
-                <a:latin typeface="Century Gothic" panose="020B0502020202020204" pitchFamily="34" charset="0"/>
-              </a:rPr>
-              <a:t>left to fend off for themselves. </a:t>
-            </a:r>
-            <a:endParaRPr lang="en-IN" dirty="0" smtClean="0">
-              <a:solidFill>
-                <a:schemeClr val="tx1"/>
-              </a:solidFill>
-              <a:latin typeface="Century Gothic" panose="020B0502020202020204" pitchFamily="34" charset="0"/>
-            </a:endParaRPr>
+              <a:t> quality of life for the elderly and disabled who might otherwise require specialised care and be left to fend off for themselves. </a:t>
+            </a:r>
           </a:p>
         </p:txBody>
       </p:sp>
@@ -19437,7 +19774,7 @@
           <a:lstStyle/>
           <a:p>
             <a:r>
-              <a:rPr lang="en-IN" sz="4400" dirty="0" smtClean="0">
+              <a:rPr lang="en-IN" sz="4400" dirty="0">
                 <a:ln w="0"/>
                 <a:effectLst>
                   <a:outerShdw blurRad="38100" dist="19050" dir="2700000" algn="tl" rotWithShape="0">
@@ -19450,17 +19787,6 @@
               </a:rPr>
               <a:t>INTODUCTION</a:t>
             </a:r>
-            <a:endParaRPr lang="en-IN" sz="4400" dirty="0">
-              <a:ln w="0"/>
-              <a:effectLst>
-                <a:outerShdw blurRad="38100" dist="19050" dir="2700000" algn="tl" rotWithShape="0">
-                  <a:schemeClr val="dk1">
-                    <a:alpha val="40000"/>
-                  </a:schemeClr>
-                </a:outerShdw>
-              </a:effectLst>
-              <a:latin typeface="Berlin Sans FB" panose="020E0602020502020306" pitchFamily="34" charset="0"/>
-            </a:endParaRPr>
           </a:p>
         </p:txBody>
       </p:sp>
@@ -19492,7 +19818,7 @@
           <a:p>
             <a:pPr algn="ctr"/>
             <a:r>
-              <a:rPr lang="en-IN" sz="2100" b="1" i="1" dirty="0" smtClean="0">
+              <a:rPr lang="en-IN" sz="2100" b="1" i="1" dirty="0">
                 <a:solidFill>
                   <a:schemeClr val="tx1"/>
                 </a:solidFill>
@@ -19501,7 +19827,7 @@
               <a:t>Our Idea is to implement Wireless Home automation using</a:t>
             </a:r>
             <a:r>
-              <a:rPr lang="en-IN" sz="2100" b="1" i="1" u="sng" dirty="0" smtClean="0">
+              <a:rPr lang="en-IN" sz="2100" b="1" i="1" u="sng" dirty="0">
                 <a:solidFill>
                   <a:schemeClr val="tx1"/>
                 </a:solidFill>
@@ -19510,7 +19836,7 @@
               <a:t> Mobile phones</a:t>
             </a:r>
             <a:r>
-              <a:rPr lang="en-IN" sz="2100" b="1" i="1" dirty="0" smtClean="0">
+              <a:rPr lang="en-IN" sz="2100" b="1" i="1" dirty="0">
                 <a:solidFill>
                   <a:schemeClr val="tx1"/>
                 </a:solidFill>
@@ -19522,7 +19848,7 @@
           <a:p>
             <a:pPr algn="ctr"/>
             <a:r>
-              <a:rPr lang="en-IN" sz="2100" b="1" i="1" dirty="0" smtClean="0">
+              <a:rPr lang="en-IN" sz="2100" b="1" i="1" dirty="0">
                 <a:solidFill>
                   <a:schemeClr val="tx1"/>
                 </a:solidFill>
@@ -19534,7 +19860,7 @@
           <a:p>
             <a:pPr algn="ctr"/>
             <a:r>
-              <a:rPr lang="en-IN" sz="2100" b="1" i="1" dirty="0" smtClean="0">
+              <a:rPr lang="en-IN" sz="2100" b="1" i="1" dirty="0">
                 <a:solidFill>
                   <a:schemeClr val="tx1"/>
                 </a:solidFill>
@@ -19642,13 +19968,6 @@
   <p:transition spd="slow">
     <p:push dir="u"/>
   </p:transition>
-  <p:timing>
-    <p:tnLst>
-      <p:par>
-        <p:cTn id="1" dur="indefinite" restart="never" nodeType="tmRoot"/>
-      </p:par>
-    </p:tnLst>
-  </p:timing>
 </p:sld>
 </file>
 
@@ -19692,7 +20011,7 @@
           <a:lstStyle/>
           <a:p>
             <a:r>
-              <a:rPr lang="en-IN" sz="4400" dirty="0" smtClean="0">
+              <a:rPr lang="en-IN" sz="4400" dirty="0">
                 <a:ln w="0"/>
                 <a:effectLst>
                   <a:outerShdw blurRad="38100" dist="19050" dir="2700000" algn="tl" rotWithShape="0">
@@ -19705,17 +20024,6 @@
               </a:rPr>
               <a:t>IMPLEMENTATION</a:t>
             </a:r>
-            <a:endParaRPr lang="en-IN" sz="4400" dirty="0">
-              <a:ln w="0"/>
-              <a:effectLst>
-                <a:outerShdw blurRad="38100" dist="19050" dir="2700000" algn="tl" rotWithShape="0">
-                  <a:schemeClr val="dk1">
-                    <a:alpha val="40000"/>
-                  </a:schemeClr>
-                </a:outerShdw>
-              </a:effectLst>
-              <a:latin typeface="Berlin Sans FB" panose="020E0602020502020306" pitchFamily="34" charset="0"/>
-            </a:endParaRPr>
           </a:p>
         </p:txBody>
       </p:sp>
@@ -19755,10 +20063,9 @@
           <a:lstStyle/>
           <a:p>
             <a:r>
-              <a:rPr lang="en-IN" sz="3200" dirty="0" smtClean="0"/>
+              <a:rPr lang="en-IN" sz="3200" dirty="0"/>
               <a:t>Mobile Phone</a:t>
             </a:r>
-            <a:endParaRPr lang="en-IN" sz="3200" dirty="0"/>
           </a:p>
         </p:txBody>
       </p:sp>
@@ -20234,18 +20541,17 @@
           <a:lstStyle/>
           <a:p>
             <a:r>
-              <a:rPr lang="en-IN" dirty="0" smtClean="0"/>
+              <a:rPr lang="en-IN" dirty="0"/>
               <a:t>Use input through a Mobile Phone to </a:t>
             </a:r>
             <a:r>
-              <a:rPr lang="en-IN" b="1" dirty="0" smtClean="0"/>
+              <a:rPr lang="en-IN" b="1" dirty="0"/>
               <a:t>automatically on/off </a:t>
             </a:r>
             <a:r>
-              <a:rPr lang="en-IN" dirty="0" smtClean="0"/>
+              <a:rPr lang="en-IN" dirty="0"/>
               <a:t>devices</a:t>
             </a:r>
-            <a:endParaRPr lang="en-IN" dirty="0"/>
           </a:p>
         </p:txBody>
       </p:sp>
@@ -20285,18 +20591,17 @@
           <a:lstStyle/>
           <a:p>
             <a:r>
-              <a:rPr lang="en-IN" dirty="0" smtClean="0"/>
+              <a:rPr lang="en-IN" dirty="0"/>
               <a:t>Now the input is </a:t>
             </a:r>
             <a:r>
-              <a:rPr lang="en-IN" b="1" dirty="0" smtClean="0"/>
+              <a:rPr lang="en-IN" b="1" dirty="0"/>
               <a:t>wirelessly transferred </a:t>
             </a:r>
             <a:r>
-              <a:rPr lang="en-IN" dirty="0" smtClean="0"/>
+              <a:rPr lang="en-IN" dirty="0"/>
               <a:t>to DTMF Module which is the main part of our Project </a:t>
             </a:r>
-            <a:endParaRPr lang="en-IN" dirty="0"/>
           </a:p>
         </p:txBody>
       </p:sp>
@@ -20336,10 +20641,9 @@
           <a:lstStyle/>
           <a:p>
             <a:r>
-              <a:rPr lang="en-IN" dirty="0" smtClean="0"/>
+              <a:rPr lang="en-IN" dirty="0"/>
               <a:t>The O/P  through DTMF module is fed to Invertor IC  </a:t>
             </a:r>
-            <a:endParaRPr lang="en-IN" dirty="0"/>
           </a:p>
         </p:txBody>
       </p:sp>
@@ -20379,10 +20683,9 @@
           <a:lstStyle/>
           <a:p>
             <a:r>
-              <a:rPr lang="en-IN" dirty="0" smtClean="0"/>
+              <a:rPr lang="en-IN" dirty="0"/>
               <a:t>Now the O/P is fed to  MCU as Input and the corresponding O/P is obtained</a:t>
             </a:r>
-            <a:endParaRPr lang="en-IN" dirty="0"/>
           </a:p>
         </p:txBody>
       </p:sp>
@@ -20422,10 +20725,9 @@
           <a:lstStyle/>
           <a:p>
             <a:r>
-              <a:rPr lang="en-IN" dirty="0" smtClean="0"/>
+              <a:rPr lang="en-IN" dirty="0"/>
               <a:t>Now the corresponding O/P is fed to devices.</a:t>
             </a:r>
-            <a:endParaRPr lang="en-IN" dirty="0"/>
           </a:p>
         </p:txBody>
       </p:sp>
@@ -20574,13 +20876,6 @@
   <p:transition spd="slow">
     <p:push dir="u"/>
   </p:transition>
-  <p:timing>
-    <p:tnLst>
-      <p:par>
-        <p:cTn id="1" dur="indefinite" restart="never" nodeType="tmRoot"/>
-      </p:par>
-    </p:tnLst>
-  </p:timing>
 </p:sld>
 </file>
 
@@ -20632,7 +20927,7 @@
               <a:buNone/>
             </a:pPr>
             <a:r>
-              <a:rPr lang="en-IN" dirty="0" smtClean="0">
+              <a:rPr lang="en-IN" dirty="0">
                 <a:solidFill>
                   <a:schemeClr val="tx1"/>
                 </a:solidFill>
@@ -20641,7 +20936,7 @@
               <a:t>The </a:t>
             </a:r>
             <a:r>
-              <a:rPr lang="en-IN" b="1" dirty="0" smtClean="0">
+              <a:rPr lang="en-IN" b="1" dirty="0">
                 <a:solidFill>
                   <a:schemeClr val="tx1"/>
                 </a:solidFill>
@@ -20650,7 +20945,7 @@
               <a:t>DTMF (Dual Tone Multi Frequency) </a:t>
             </a:r>
             <a:r>
-              <a:rPr lang="en-IN" dirty="0" smtClean="0">
+              <a:rPr lang="en-IN" dirty="0">
                 <a:solidFill>
                   <a:schemeClr val="tx1"/>
                 </a:solidFill>
@@ -20659,7 +20954,7 @@
               <a:t>decoder circuit spots the dial tone from the telephone line and </a:t>
             </a:r>
             <a:r>
-              <a:rPr lang="en-IN" b="1" dirty="0" smtClean="0">
+              <a:rPr lang="en-IN" b="1" dirty="0">
                 <a:solidFill>
                   <a:schemeClr val="tx1"/>
                 </a:solidFill>
@@ -20668,7 +20963,7 @@
               <a:t>decodes</a:t>
             </a:r>
             <a:r>
-              <a:rPr lang="en-IN" dirty="0" smtClean="0">
+              <a:rPr lang="en-IN" dirty="0">
                 <a:solidFill>
                   <a:schemeClr val="tx1"/>
                 </a:solidFill>
@@ -20676,12 +20971,6 @@
               </a:rPr>
               <a:t> the key pressed on the telephone.</a:t>
             </a:r>
-            <a:endParaRPr lang="en-IN" dirty="0">
-              <a:solidFill>
-                <a:schemeClr val="tx1"/>
-              </a:solidFill>
-              <a:latin typeface="Century Gothic" panose="020B0502020202020204" pitchFamily="34" charset="0"/>
-            </a:endParaRPr>
           </a:p>
         </p:txBody>
       </p:sp>
@@ -20708,7 +20997,7 @@
           <a:lstStyle/>
           <a:p>
             <a:r>
-              <a:rPr lang="en-IN" sz="4400" dirty="0" smtClean="0">
+              <a:rPr lang="en-IN" sz="4400" dirty="0">
                 <a:ln w="0"/>
                 <a:effectLst>
                   <a:outerShdw blurRad="38100" dist="19050" dir="2700000" algn="tl" rotWithShape="0">
@@ -20721,17 +21010,6 @@
               </a:rPr>
               <a:t>DTMF</a:t>
             </a:r>
-            <a:endParaRPr lang="en-IN" sz="4400" dirty="0">
-              <a:ln w="0"/>
-              <a:effectLst>
-                <a:outerShdw blurRad="38100" dist="19050" dir="2700000" algn="tl" rotWithShape="0">
-                  <a:schemeClr val="dk1">
-                    <a:alpha val="40000"/>
-                  </a:schemeClr>
-                </a:outerShdw>
-              </a:effectLst>
-              <a:latin typeface="Berlin Sans FB" panose="020E0602020502020306" pitchFamily="34" charset="0"/>
-            </a:endParaRPr>
           </a:p>
         </p:txBody>
       </p:sp>
@@ -20924,31 +21202,15 @@
             </a:pPr>
             <a:r>
               <a:rPr lang="en-IN" dirty="0"/>
-              <a:t>When any of the key like “1”, “2”, “*”, “#” </a:t>
-            </a:r>
-            <a:r>
-              <a:rPr lang="en-IN" dirty="0" smtClean="0"/>
-              <a:t>etc. </a:t>
+              <a:t>When any of the key like “1”, “2”, “*”, “#” etc. is pressed particular </a:t>
+            </a:r>
+            <a:r>
+              <a:rPr lang="en-IN" b="1" dirty="0"/>
+              <a:t>code is transmitted</a:t>
             </a:r>
             <a:r>
               <a:rPr lang="en-IN" dirty="0"/>
-              <a:t>is pressed particular </a:t>
-            </a:r>
-            <a:r>
-              <a:rPr lang="en-IN" b="1" dirty="0"/>
-              <a:t>code is </a:t>
-            </a:r>
-            <a:r>
-              <a:rPr lang="en-IN" b="1" dirty="0" smtClean="0"/>
-              <a:t>transmitted</a:t>
-            </a:r>
-            <a:r>
-              <a:rPr lang="en-IN" dirty="0" smtClean="0"/>
-              <a:t>. This </a:t>
-            </a:r>
-            <a:r>
-              <a:rPr lang="en-IN" dirty="0"/>
-              <a:t>code is consist of </a:t>
+              <a:t>. This code is consist of </a:t>
             </a:r>
             <a:r>
               <a:rPr lang="en-IN" b="1" dirty="0"/>
@@ -20964,25 +21226,12 @@
             </a:r>
             <a:r>
               <a:rPr lang="en-IN" dirty="0"/>
-              <a:t>and </a:t>
-            </a:r>
-            <a:r>
-              <a:rPr lang="en-IN" dirty="0" smtClean="0"/>
-              <a:t>second one </a:t>
-            </a:r>
-            <a:r>
-              <a:rPr lang="en-IN" dirty="0"/>
-              <a:t>is </a:t>
+              <a:t>and second one is </a:t>
             </a:r>
             <a:r>
               <a:rPr lang="en-IN" b="1" dirty="0"/>
-              <a:t>lower frequency</a:t>
-            </a:r>
-            <a:r>
-              <a:rPr lang="en-IN" b="1" dirty="0" smtClean="0"/>
-              <a:t>.</a:t>
-            </a:r>
-            <a:endParaRPr lang="en-IN" b="1" dirty="0"/>
+              <a:t>lower frequency.</a:t>
+            </a:r>
           </a:p>
         </p:txBody>
       </p:sp>
@@ -21038,14 +21287,11 @@
           <a:lstStyle/>
           <a:p>
             <a:r>
-              <a:rPr lang="en-IN" sz="1600" dirty="0" smtClean="0">
+              <a:rPr lang="en-IN" sz="1600" dirty="0">
                 <a:latin typeface="+mj-lt"/>
               </a:rPr>
               <a:t>679 Hz</a:t>
             </a:r>
-            <a:endParaRPr lang="en-IN" sz="1600" dirty="0">
-              <a:latin typeface="+mj-lt"/>
-            </a:endParaRPr>
           </a:p>
         </p:txBody>
       </p:sp>
@@ -21072,14 +21318,11 @@
           <a:lstStyle/>
           <a:p>
             <a:r>
-              <a:rPr lang="en-IN" sz="1600" dirty="0" smtClean="0">
+              <a:rPr lang="en-IN" sz="1600" dirty="0">
                 <a:latin typeface="+mj-lt"/>
               </a:rPr>
               <a:t>770 Hz</a:t>
             </a:r>
-            <a:endParaRPr lang="en-IN" sz="1600" dirty="0">
-              <a:latin typeface="+mj-lt"/>
-            </a:endParaRPr>
           </a:p>
         </p:txBody>
       </p:sp>
@@ -21106,14 +21349,11 @@
           <a:lstStyle/>
           <a:p>
             <a:r>
-              <a:rPr lang="en-IN" sz="1600" dirty="0" smtClean="0">
+              <a:rPr lang="en-IN" sz="1600" dirty="0">
                 <a:latin typeface="+mj-lt"/>
               </a:rPr>
               <a:t>852 Hz</a:t>
             </a:r>
-            <a:endParaRPr lang="en-IN" sz="1600" dirty="0">
-              <a:latin typeface="+mj-lt"/>
-            </a:endParaRPr>
           </a:p>
         </p:txBody>
       </p:sp>
@@ -21140,14 +21380,11 @@
           <a:lstStyle/>
           <a:p>
             <a:r>
-              <a:rPr lang="en-IN" sz="1600" dirty="0" smtClean="0">
+              <a:rPr lang="en-IN" sz="1600" dirty="0">
                 <a:latin typeface="+mj-lt"/>
               </a:rPr>
               <a:t>941 Hz</a:t>
             </a:r>
-            <a:endParaRPr lang="en-IN" sz="1600" dirty="0">
-              <a:latin typeface="+mj-lt"/>
-            </a:endParaRPr>
           </a:p>
         </p:txBody>
       </p:sp>
@@ -21250,14 +21487,11 @@
           <a:lstStyle/>
           <a:p>
             <a:r>
-              <a:rPr lang="en-IN" sz="1600" dirty="0" smtClean="0">
+              <a:rPr lang="en-IN" sz="1600" dirty="0">
                 <a:latin typeface="+mj-lt"/>
               </a:rPr>
               <a:t>1447 Hz</a:t>
             </a:r>
-            <a:endParaRPr lang="en-IN" sz="1600" dirty="0">
-              <a:latin typeface="+mj-lt"/>
-            </a:endParaRPr>
           </a:p>
         </p:txBody>
       </p:sp>
@@ -21274,13 +21508,6 @@
   <p:transition spd="slow">
     <p:push dir="u"/>
   </p:transition>
-  <p:timing>
-    <p:tnLst>
-      <p:par>
-        <p:cTn id="1" dur="indefinite" restart="never" nodeType="tmRoot"/>
-      </p:par>
-    </p:tnLst>
-  </p:timing>
 </p:sld>
 </file>
 
@@ -21444,32 +21671,29 @@
               <a:buNone/>
             </a:pPr>
             <a:r>
-              <a:rPr lang="en-IN" sz="2000" dirty="0" smtClean="0">
+              <a:rPr lang="en-IN" sz="2000" dirty="0">
                 <a:latin typeface="Century Gothic" panose="020B0502020202020204" pitchFamily="34" charset="0"/>
               </a:rPr>
               <a:t>Now. According to </a:t>
             </a:r>
             <a:r>
-              <a:rPr lang="en-IN" sz="2000" b="1" dirty="0" smtClean="0">
+              <a:rPr lang="en-IN" sz="2000" b="1" dirty="0">
                 <a:latin typeface="Century Gothic" panose="020B0502020202020204" pitchFamily="34" charset="0"/>
               </a:rPr>
               <a:t>key Pressed </a:t>
             </a:r>
             <a:r>
-              <a:rPr lang="en-IN" sz="2000" dirty="0" smtClean="0">
+              <a:rPr lang="en-IN" sz="2000" dirty="0">
                 <a:latin typeface="Century Gothic" panose="020B0502020202020204" pitchFamily="34" charset="0"/>
               </a:rPr>
               <a:t>by User we have </a:t>
             </a:r>
             <a:r>
-              <a:rPr lang="en-IN" sz="2000" b="1" dirty="0" smtClean="0">
+              <a:rPr lang="en-IN" sz="2000" b="1" dirty="0">
                 <a:latin typeface="Century Gothic" panose="020B0502020202020204" pitchFamily="34" charset="0"/>
               </a:rPr>
               <a:t>4 outputs.</a:t>
             </a:r>
-            <a:endParaRPr lang="en-IN" sz="2000" b="1" dirty="0">
-              <a:latin typeface="Century Gothic" panose="020B0502020202020204" pitchFamily="34" charset="0"/>
-            </a:endParaRPr>
           </a:p>
         </p:txBody>
       </p:sp>
@@ -21486,13 +21710,6 @@
   <p:transition spd="slow">
     <p:push dir="u"/>
   </p:transition>
-  <p:timing>
-    <p:tnLst>
-      <p:par>
-        <p:cTn id="1" dur="indefinite" restart="never" nodeType="tmRoot"/>
-      </p:par>
-    </p:tnLst>
-  </p:timing>
 </p:sld>
 </file>
 
@@ -21644,28 +21861,13 @@
               </a:rPr>
               <a:t>. It consists of six inverters </a:t>
             </a:r>
-            <a:endParaRPr lang="en-IN" sz="2000" dirty="0" smtClean="0">
-              <a:latin typeface="Century Gothic" panose="020B0502020202020204" pitchFamily="34" charset="0"/>
-            </a:endParaRPr>
           </a:p>
           <a:p>
             <a:r>
               <a:rPr lang="en-IN" sz="2000" dirty="0">
                 <a:latin typeface="Century Gothic" panose="020B0502020202020204" pitchFamily="34" charset="0"/>
               </a:rPr>
-              <a:t> </a:t>
-            </a:r>
-            <a:r>
-              <a:rPr lang="en-IN" sz="2000" dirty="0" smtClean="0">
-                <a:latin typeface="Century Gothic" panose="020B0502020202020204" pitchFamily="34" charset="0"/>
-              </a:rPr>
-              <a:t>   which </a:t>
-            </a:r>
-            <a:r>
-              <a:rPr lang="en-IN" sz="2000" dirty="0">
-                <a:latin typeface="Century Gothic" panose="020B0502020202020204" pitchFamily="34" charset="0"/>
-              </a:rPr>
-              <a:t>perform the </a:t>
+              <a:t>    which perform the </a:t>
             </a:r>
             <a:r>
               <a:rPr lang="en-IN" sz="2000" b="1" dirty="0">
@@ -21679,12 +21881,9 @@
               </a:rPr>
               <a:t>. </a:t>
             </a:r>
-            <a:endParaRPr lang="en-IN" sz="2000" dirty="0" smtClean="0">
-              <a:latin typeface="Century Gothic" panose="020B0502020202020204" pitchFamily="34" charset="0"/>
-            </a:endParaRPr>
-          </a:p>
-          <a:p>
-            <a:endParaRPr lang="en-IN" sz="2000" dirty="0" smtClean="0">
+          </a:p>
+          <a:p>
+            <a:endParaRPr lang="en-IN" sz="2000" dirty="0">
               <a:latin typeface="Century Gothic" panose="020B0502020202020204" pitchFamily="34" charset="0"/>
             </a:endParaRPr>
           </a:p>
@@ -21694,16 +21893,10 @@
               <a:buChar char="•"/>
             </a:pPr>
             <a:r>
-              <a:rPr lang="en-IN" sz="2000" dirty="0" smtClean="0">
-                <a:latin typeface="Century Gothic" panose="020B0502020202020204" pitchFamily="34" charset="0"/>
-              </a:rPr>
-              <a:t>The output </a:t>
-            </a:r>
-            <a:r>
               <a:rPr lang="en-IN" sz="2000" dirty="0">
                 <a:latin typeface="Century Gothic" panose="020B0502020202020204" pitchFamily="34" charset="0"/>
               </a:rPr>
-              <a:t>of an inverter is the </a:t>
+              <a:t>The output of an inverter is the </a:t>
             </a:r>
             <a:r>
               <a:rPr lang="en-IN" sz="2000" b="1" dirty="0">
@@ -21711,28 +21904,13 @@
               </a:rPr>
               <a:t>direct complement </a:t>
             </a:r>
-            <a:endParaRPr lang="en-IN" sz="2000" b="1" dirty="0" smtClean="0">
-              <a:latin typeface="Century Gothic" panose="020B0502020202020204" pitchFamily="34" charset="0"/>
-            </a:endParaRPr>
           </a:p>
           <a:p>
             <a:r>
               <a:rPr lang="en-IN" sz="2000" b="1" dirty="0">
                 <a:latin typeface="Century Gothic" panose="020B0502020202020204" pitchFamily="34" charset="0"/>
               </a:rPr>
-              <a:t> </a:t>
-            </a:r>
-            <a:r>
-              <a:rPr lang="en-IN" sz="2000" b="1" dirty="0" smtClean="0">
-                <a:latin typeface="Century Gothic" panose="020B0502020202020204" pitchFamily="34" charset="0"/>
-              </a:rPr>
-              <a:t>   of </a:t>
-            </a:r>
-            <a:r>
-              <a:rPr lang="en-IN" sz="2000" b="1" dirty="0">
-                <a:latin typeface="Century Gothic" panose="020B0502020202020204" pitchFamily="34" charset="0"/>
-              </a:rPr>
-              <a:t>its input logic state</a:t>
+              <a:t>    of its input logic state</a:t>
             </a:r>
             <a:r>
               <a:rPr lang="en-IN" sz="2000" dirty="0">
@@ -21752,22 +21930,13 @@
               </a:rPr>
               <a:t>its </a:t>
             </a:r>
-            <a:endParaRPr lang="en-IN" sz="2000" dirty="0" smtClean="0">
-              <a:latin typeface="Century Gothic" panose="020B0502020202020204" pitchFamily="34" charset="0"/>
-            </a:endParaRPr>
           </a:p>
           <a:p>
             <a:r>
               <a:rPr lang="en-IN" sz="2000" dirty="0">
                 <a:latin typeface="Century Gothic" panose="020B0502020202020204" pitchFamily="34" charset="0"/>
               </a:rPr>
-              <a:t> </a:t>
-            </a:r>
-            <a:r>
-              <a:rPr lang="en-IN" sz="2000" dirty="0" smtClean="0">
-                <a:latin typeface="Century Gothic" panose="020B0502020202020204" pitchFamily="34" charset="0"/>
-              </a:rPr>
-              <a:t>   corresponding </a:t>
+              <a:t>    corresponding </a:t>
             </a:r>
             <a:r>
               <a:rPr lang="en-IN" sz="2000" b="1" dirty="0">
@@ -21781,28 +21950,13 @@
               </a:rPr>
               <a:t>and the other way </a:t>
             </a:r>
-            <a:endParaRPr lang="en-IN" sz="2000" dirty="0" smtClean="0">
-              <a:latin typeface="Century Gothic" panose="020B0502020202020204" pitchFamily="34" charset="0"/>
-            </a:endParaRPr>
           </a:p>
           <a:p>
             <a:r>
               <a:rPr lang="en-IN" sz="2000" dirty="0">
                 <a:latin typeface="Century Gothic" panose="020B0502020202020204" pitchFamily="34" charset="0"/>
               </a:rPr>
-              <a:t> </a:t>
-            </a:r>
-            <a:r>
-              <a:rPr lang="en-IN" sz="2000" dirty="0" smtClean="0">
-                <a:latin typeface="Century Gothic" panose="020B0502020202020204" pitchFamily="34" charset="0"/>
-              </a:rPr>
-              <a:t>   round</a:t>
-            </a:r>
-            <a:r>
-              <a:rPr lang="en-IN" sz="2000" dirty="0">
-                <a:latin typeface="Century Gothic" panose="020B0502020202020204" pitchFamily="34" charset="0"/>
-              </a:rPr>
-              <a:t>.</a:t>
+              <a:t>    round.</a:t>
             </a:r>
           </a:p>
         </p:txBody>
@@ -21995,39 +22149,39 @@
               <a:buNone/>
             </a:pPr>
             <a:r>
-              <a:rPr lang="en-IN" dirty="0" smtClean="0"/>
+              <a:rPr lang="en-IN" dirty="0"/>
               <a:t>Outputs from the </a:t>
             </a:r>
             <a:r>
-              <a:rPr lang="en-IN" b="1" dirty="0" smtClean="0"/>
+              <a:rPr lang="en-IN" b="1" dirty="0"/>
               <a:t>DTMF</a:t>
             </a:r>
             <a:r>
-              <a:rPr lang="en-IN" dirty="0" smtClean="0"/>
+              <a:rPr lang="en-IN" dirty="0"/>
               <a:t> according the </a:t>
             </a:r>
             <a:r>
-              <a:rPr lang="en-IN" b="1" dirty="0" smtClean="0"/>
+              <a:rPr lang="en-IN" b="1" dirty="0"/>
               <a:t>key</a:t>
             </a:r>
             <a:r>
-              <a:rPr lang="en-IN" dirty="0" smtClean="0"/>
+              <a:rPr lang="en-IN" dirty="0"/>
               <a:t> pressed by the user is fed to </a:t>
             </a:r>
             <a:r>
-              <a:rPr lang="en-IN" b="1" dirty="0" smtClean="0"/>
+              <a:rPr lang="en-IN" b="1" dirty="0"/>
               <a:t>Invertor IC</a:t>
             </a:r>
             <a:r>
-              <a:rPr lang="en-IN" dirty="0" smtClean="0"/>
+              <a:rPr lang="en-IN" dirty="0"/>
               <a:t>, which is used to </a:t>
             </a:r>
             <a:r>
-              <a:rPr lang="en-IN" b="1" dirty="0" smtClean="0"/>
+              <a:rPr lang="en-IN" b="1" dirty="0"/>
               <a:t>buffer </a:t>
             </a:r>
             <a:r>
-              <a:rPr lang="en-IN" dirty="0" smtClean="0"/>
+              <a:rPr lang="en-IN" dirty="0"/>
               <a:t>the Inputs.</a:t>
             </a:r>
             <a:endParaRPr lang="en-IN" b="1" dirty="0"/>
@@ -22047,13 +22201,6 @@
   <p:transition spd="slow">
     <p:push dir="u"/>
   </p:transition>
-  <p:timing>
-    <p:tnLst>
-      <p:par>
-        <p:cTn id="1" dur="indefinite" restart="never" nodeType="tmRoot"/>
-      </p:par>
-    </p:tnLst>
-  </p:timing>
 </p:sld>
 </file>
 
@@ -22097,7 +22244,7 @@
           <a:lstStyle/>
           <a:p>
             <a:r>
-              <a:rPr lang="en-IN" sz="4400" dirty="0" smtClean="0">
+              <a:rPr lang="en-IN" sz="4400" dirty="0">
                 <a:ln w="0"/>
                 <a:effectLst>
                   <a:outerShdw blurRad="38100" dist="19050" dir="2700000" algn="tl" rotWithShape="0">
@@ -22110,17 +22257,6 @@
               </a:rPr>
               <a:t>ARDUINO-UNO</a:t>
             </a:r>
-            <a:endParaRPr lang="en-IN" sz="4400" dirty="0">
-              <a:ln w="0"/>
-              <a:effectLst>
-                <a:outerShdw blurRad="38100" dist="19050" dir="2700000" algn="tl" rotWithShape="0">
-                  <a:schemeClr val="dk1">
-                    <a:alpha val="40000"/>
-                  </a:schemeClr>
-                </a:outerShdw>
-              </a:effectLst>
-              <a:latin typeface="Berlin Sans FB" panose="020E0602020502020306" pitchFamily="34" charset="0"/>
-            </a:endParaRPr>
           </a:p>
         </p:txBody>
       </p:sp>
@@ -22191,68 +22327,32 @@
               <a:buChar char="•"/>
             </a:pPr>
             <a:r>
-              <a:rPr lang="en-IN" sz="2000" b="1" dirty="0" smtClean="0">
+              <a:rPr lang="en-IN" sz="2000" b="1" dirty="0">
                 <a:latin typeface="Century Gothic" panose="020B0502020202020204" pitchFamily="34" charset="0"/>
               </a:rPr>
               <a:t>ARDUINO </a:t>
             </a:r>
             <a:r>
-              <a:rPr lang="en-IN" sz="2000" dirty="0" smtClean="0">
-                <a:latin typeface="Century Gothic" panose="020B0502020202020204" pitchFamily="34" charset="0"/>
-              </a:rPr>
-              <a:t>Computer </a:t>
-            </a:r>
-            <a:r>
               <a:rPr lang="en-IN" sz="2000" dirty="0">
                 <a:latin typeface="Century Gothic" panose="020B0502020202020204" pitchFamily="34" charset="0"/>
               </a:rPr>
-              <a:t>software and hardware company </a:t>
-            </a:r>
-            <a:endParaRPr lang="en-IN" sz="2000" dirty="0" smtClean="0">
-              <a:latin typeface="Century Gothic" panose="020B0502020202020204" pitchFamily="34" charset="0"/>
-            </a:endParaRPr>
+              <a:t>Computer software and hardware company </a:t>
+            </a:r>
           </a:p>
           <a:p>
             <a:r>
               <a:rPr lang="en-IN" sz="2000" dirty="0">
                 <a:latin typeface="Century Gothic" panose="020B0502020202020204" pitchFamily="34" charset="0"/>
               </a:rPr>
-              <a:t> </a:t>
-            </a:r>
-            <a:r>
-              <a:rPr lang="en-IN" sz="2000" dirty="0" smtClean="0">
-                <a:latin typeface="Century Gothic" panose="020B0502020202020204" pitchFamily="34" charset="0"/>
-              </a:rPr>
-              <a:t>   which </a:t>
-            </a:r>
+              <a:t>    which designs and develops microcontroller </a:t>
+            </a:r>
+          </a:p>
+          <a:p>
             <a:r>
               <a:rPr lang="en-IN" sz="2000" dirty="0">
                 <a:latin typeface="Century Gothic" panose="020B0502020202020204" pitchFamily="34" charset="0"/>
               </a:rPr>
-              <a:t>designs and develops microcontroller </a:t>
-            </a:r>
-            <a:endParaRPr lang="en-IN" sz="2000" dirty="0" smtClean="0">
-              <a:latin typeface="Century Gothic" panose="020B0502020202020204" pitchFamily="34" charset="0"/>
-            </a:endParaRPr>
-          </a:p>
-          <a:p>
-            <a:r>
-              <a:rPr lang="en-IN" sz="2000" dirty="0">
-                <a:latin typeface="Century Gothic" panose="020B0502020202020204" pitchFamily="34" charset="0"/>
-              </a:rPr>
-              <a:t> </a:t>
-            </a:r>
-            <a:r>
-              <a:rPr lang="en-IN" sz="2000" dirty="0" smtClean="0">
-                <a:latin typeface="Century Gothic" panose="020B0502020202020204" pitchFamily="34" charset="0"/>
-              </a:rPr>
-              <a:t>   development </a:t>
-            </a:r>
-            <a:r>
-              <a:rPr lang="en-IN" sz="2000" dirty="0">
-                <a:latin typeface="Century Gothic" panose="020B0502020202020204" pitchFamily="34" charset="0"/>
-              </a:rPr>
-              <a:t>boards.</a:t>
+              <a:t>    development boards.</a:t>
             </a:r>
           </a:p>
           <a:p>
@@ -22309,11 +22409,7 @@
             </a:r>
             <a:r>
               <a:rPr lang="en-IN" b="0" dirty="0"/>
-              <a:t> array of </a:t>
-            </a:r>
-            <a:r>
-              <a:rPr lang="en-IN" b="0" dirty="0" smtClean="0"/>
-              <a:t>innovative</a:t>
+              <a:t> array of innovative</a:t>
             </a:r>
           </a:p>
           <a:p>
@@ -22322,25 +22418,16 @@
             </a:pPr>
             <a:r>
               <a:rPr lang="en-IN" b="0" dirty="0"/>
-              <a:t> </a:t>
-            </a:r>
-            <a:r>
-              <a:rPr lang="en-IN" b="0" dirty="0" smtClean="0"/>
-              <a:t>   </a:t>
-            </a:r>
-            <a:r>
-              <a:rPr lang="en-IN" dirty="0" smtClean="0"/>
+              <a:t>    </a:t>
+            </a:r>
+            <a:r>
+              <a:rPr lang="en-IN" dirty="0"/>
               <a:t>applications</a:t>
             </a:r>
             <a:r>
-              <a:rPr lang="en-IN" b="0" dirty="0" smtClean="0"/>
-              <a:t> </a:t>
-            </a:r>
-            <a:r>
               <a:rPr lang="en-IN" b="0" dirty="0"/>
-              <a:t>for everything from robotics and lighting </a:t>
-            </a:r>
-            <a:endParaRPr lang="en-IN" b="0" dirty="0" smtClean="0"/>
+              <a:t> for everything from robotics and lighting </a:t>
+            </a:r>
           </a:p>
           <a:p>
             <a:pPr marL="0" indent="0">
@@ -22348,15 +22435,7 @@
             </a:pPr>
             <a:r>
               <a:rPr lang="en-IN" b="0" dirty="0"/>
-              <a:t> </a:t>
-            </a:r>
-            <a:r>
-              <a:rPr lang="en-IN" b="0" dirty="0" smtClean="0"/>
-              <a:t>   to </a:t>
-            </a:r>
-            <a:r>
-              <a:rPr lang="en-IN" b="0" dirty="0"/>
-              <a:t>games !</a:t>
+              <a:t>    to games !</a:t>
             </a:r>
           </a:p>
         </p:txBody>
@@ -22406,7 +22485,6 @@
               <a:rPr lang="en-IN" dirty="0"/>
               <a:t>as our microcontroller </a:t>
             </a:r>
-            <a:endParaRPr lang="en-IN" dirty="0" smtClean="0"/>
           </a:p>
           <a:p>
             <a:pPr marL="0" indent="0">
@@ -22414,15 +22492,7 @@
             </a:pPr>
             <a:r>
               <a:rPr lang="en-IN" dirty="0"/>
-              <a:t> </a:t>
-            </a:r>
-            <a:r>
-              <a:rPr lang="en-IN" dirty="0" smtClean="0"/>
-              <a:t>   development </a:t>
-            </a:r>
-            <a:r>
-              <a:rPr lang="en-IN" dirty="0"/>
-              <a:t>board.</a:t>
+              <a:t>    development board.</a:t>
             </a:r>
           </a:p>
         </p:txBody>
@@ -22466,39 +22536,18 @@
               <a:buChar char="•"/>
             </a:pPr>
             <a:r>
-              <a:rPr lang="en-IN" sz="2000" dirty="0" smtClean="0">
-                <a:latin typeface="Century Gothic" panose="020B0502020202020204" pitchFamily="34" charset="0"/>
-              </a:rPr>
-              <a:t>14 </a:t>
-            </a:r>
-            <a:r>
               <a:rPr lang="en-IN" sz="2000" dirty="0">
                 <a:latin typeface="Century Gothic" panose="020B0502020202020204" pitchFamily="34" charset="0"/>
               </a:rPr>
-              <a:t>digital input/output pins (of which 6 can be used as </a:t>
-            </a:r>
-            <a:endParaRPr lang="en-IN" sz="2000" dirty="0" smtClean="0">
-              <a:latin typeface="Century Gothic" panose="020B0502020202020204" pitchFamily="34" charset="0"/>
-            </a:endParaRPr>
+              <a:t>14 digital input/output pins (of which 6 can be used as </a:t>
+            </a:r>
           </a:p>
           <a:p>
             <a:r>
               <a:rPr lang="en-IN" sz="2000" dirty="0">
                 <a:latin typeface="Century Gothic" panose="020B0502020202020204" pitchFamily="34" charset="0"/>
               </a:rPr>
-              <a:t> </a:t>
-            </a:r>
-            <a:r>
-              <a:rPr lang="en-IN" sz="2000" dirty="0" smtClean="0">
-                <a:latin typeface="Century Gothic" panose="020B0502020202020204" pitchFamily="34" charset="0"/>
-              </a:rPr>
-              <a:t>    PWM </a:t>
-            </a:r>
-            <a:r>
-              <a:rPr lang="en-IN" sz="2000" dirty="0">
-                <a:latin typeface="Century Gothic" panose="020B0502020202020204" pitchFamily="34" charset="0"/>
-              </a:rPr>
-              <a:t>outputs), 6 analog inputs</a:t>
+              <a:t>     PWM outputs), 6 analog inputs</a:t>
             </a:r>
           </a:p>
           <a:p>
@@ -22507,16 +22556,10 @@
               <a:buChar char="•"/>
             </a:pPr>
             <a:r>
-              <a:rPr lang="en-IN" sz="2000" dirty="0" smtClean="0">
-                <a:latin typeface="Century Gothic" panose="020B0502020202020204" pitchFamily="34" charset="0"/>
-              </a:rPr>
-              <a:t>16 </a:t>
-            </a:r>
-            <a:r>
               <a:rPr lang="en-IN" sz="2000" dirty="0">
                 <a:latin typeface="Century Gothic" panose="020B0502020202020204" pitchFamily="34" charset="0"/>
               </a:rPr>
-              <a:t>MHz quartz crystal</a:t>
+              <a:t>16 MHz quartz crystal</a:t>
             </a:r>
           </a:p>
           <a:p>
@@ -22528,19 +22571,7 @@
               <a:rPr lang="en-IN" sz="2000" dirty="0">
                 <a:latin typeface="Century Gothic" panose="020B0502020202020204" pitchFamily="34" charset="0"/>
               </a:rPr>
-              <a:t> </a:t>
-            </a:r>
-            <a:r>
-              <a:rPr lang="en-IN" sz="2000" dirty="0" smtClean="0">
-                <a:latin typeface="Century Gothic" panose="020B0502020202020204" pitchFamily="34" charset="0"/>
-              </a:rPr>
-              <a:t>USB </a:t>
-            </a:r>
-            <a:r>
-              <a:rPr lang="en-IN" sz="2000" dirty="0">
-                <a:latin typeface="Century Gothic" panose="020B0502020202020204" pitchFamily="34" charset="0"/>
-              </a:rPr>
-              <a:t>connection, a power jack</a:t>
+              <a:t> USB connection, a power jack</a:t>
             </a:r>
           </a:p>
         </p:txBody>
@@ -22733,39 +22764,39 @@
               <a:buNone/>
             </a:pPr>
             <a:r>
-              <a:rPr lang="en-IN" dirty="0" smtClean="0"/>
+              <a:rPr lang="en-IN" dirty="0"/>
               <a:t>Outputs from the </a:t>
             </a:r>
             <a:r>
-              <a:rPr lang="en-IN" b="1" dirty="0" smtClean="0"/>
+              <a:rPr lang="en-IN" b="1" dirty="0"/>
               <a:t>Invertor IC</a:t>
             </a:r>
             <a:r>
-              <a:rPr lang="en-IN" dirty="0" smtClean="0"/>
+              <a:rPr lang="en-IN" dirty="0"/>
               <a:t> is fed to </a:t>
             </a:r>
             <a:r>
-              <a:rPr lang="en-IN" b="1" dirty="0" smtClean="0"/>
+              <a:rPr lang="en-IN" b="1" dirty="0"/>
               <a:t>Arduino Uno </a:t>
             </a:r>
             <a:r>
-              <a:rPr lang="en-IN" dirty="0" smtClean="0"/>
+              <a:rPr lang="en-IN" dirty="0"/>
               <a:t>which are then </a:t>
             </a:r>
             <a:r>
-              <a:rPr lang="en-IN" b="1" dirty="0" smtClean="0"/>
+              <a:rPr lang="en-IN" b="1" dirty="0"/>
               <a:t>processed</a:t>
             </a:r>
             <a:r>
-              <a:rPr lang="en-IN" dirty="0" smtClean="0"/>
+              <a:rPr lang="en-IN" dirty="0"/>
               <a:t> according to the </a:t>
             </a:r>
             <a:r>
-              <a:rPr lang="en-IN" b="1" dirty="0" smtClean="0"/>
+              <a:rPr lang="en-IN" b="1" dirty="0"/>
               <a:t>Algorithm burnt </a:t>
             </a:r>
             <a:r>
-              <a:rPr lang="en-IN" dirty="0" smtClean="0"/>
+              <a:rPr lang="en-IN" dirty="0"/>
               <a:t>in the Arduino Uno</a:t>
             </a:r>
             <a:endParaRPr lang="en-IN" b="1" dirty="0"/>
@@ -22785,13 +22816,6 @@
   <p:transition spd="slow">
     <p:push dir="u"/>
   </p:transition>
-  <p:timing>
-    <p:tnLst>
-      <p:par>
-        <p:cTn id="1" dur="indefinite" restart="never" nodeType="tmRoot"/>
-      </p:par>
-    </p:tnLst>
-  </p:timing>
 </p:sld>
 </file>
 
@@ -23066,39 +23090,39 @@
               <a:buNone/>
             </a:pPr>
             <a:r>
-              <a:rPr lang="en-IN" dirty="0" smtClean="0"/>
+              <a:rPr lang="en-IN" dirty="0"/>
               <a:t>We have to </a:t>
             </a:r>
             <a:r>
-              <a:rPr lang="en-IN" b="1" dirty="0" smtClean="0"/>
+              <a:rPr lang="en-IN" b="1" dirty="0"/>
               <a:t>process the outputs from the Invertor IC</a:t>
             </a:r>
             <a:r>
-              <a:rPr lang="en-IN" dirty="0" smtClean="0"/>
+              <a:rPr lang="en-IN" dirty="0"/>
               <a:t> by an </a:t>
             </a:r>
             <a:r>
-              <a:rPr lang="en-IN" b="1" dirty="0" smtClean="0"/>
+              <a:rPr lang="en-IN" b="1" dirty="0"/>
               <a:t>algorithm</a:t>
             </a:r>
             <a:r>
-              <a:rPr lang="en-IN" dirty="0" smtClean="0"/>
+              <a:rPr lang="en-IN" dirty="0"/>
               <a:t> that is </a:t>
             </a:r>
             <a:r>
-              <a:rPr lang="en-IN" b="1" dirty="0" smtClean="0"/>
+              <a:rPr lang="en-IN" b="1" dirty="0"/>
               <a:t>stored in our MCU</a:t>
             </a:r>
             <a:r>
-              <a:rPr lang="en-IN" dirty="0" smtClean="0"/>
+              <a:rPr lang="en-IN" dirty="0"/>
               <a:t>, so that we can have </a:t>
             </a:r>
             <a:r>
-              <a:rPr lang="en-IN" b="1" dirty="0" smtClean="0"/>
+              <a:rPr lang="en-IN" b="1" dirty="0"/>
               <a:t>desired outputs to On/off our devices</a:t>
             </a:r>
             <a:r>
-              <a:rPr lang="en-IN" dirty="0" smtClean="0"/>
+              <a:rPr lang="en-IN" dirty="0"/>
               <a:t>. </a:t>
             </a:r>
             <a:endParaRPr lang="en-IN" b="1" dirty="0"/>
@@ -23118,13 +23142,6 @@
   <p:transition spd="slow">
     <p:push dir="u"/>
   </p:transition>
-  <p:timing>
-    <p:tnLst>
-      <p:par>
-        <p:cTn id="1" dur="indefinite" restart="never" nodeType="tmRoot"/>
-      </p:par>
-    </p:tnLst>
-  </p:timing>
 </p:sld>
 </file>
 
@@ -23168,7 +23185,7 @@
           <a:lstStyle/>
           <a:p>
             <a:r>
-              <a:rPr lang="en-IN" sz="4400" dirty="0" smtClean="0">
+              <a:rPr lang="en-IN" sz="4400" dirty="0">
                 <a:ln w="0"/>
                 <a:effectLst>
                   <a:outerShdw blurRad="38100" dist="19050" dir="2700000" algn="tl" rotWithShape="0">
@@ -23181,17 +23198,6 @@
               </a:rPr>
               <a:t>Now We’ll Have Clear Idea …..</a:t>
             </a:r>
-            <a:endParaRPr lang="en-IN" sz="4400" dirty="0">
-              <a:ln w="0"/>
-              <a:effectLst>
-                <a:outerShdw blurRad="38100" dist="19050" dir="2700000" algn="tl" rotWithShape="0">
-                  <a:schemeClr val="dk1">
-                    <a:alpha val="40000"/>
-                  </a:schemeClr>
-                </a:outerShdw>
-              </a:effectLst>
-              <a:latin typeface="Berlin Sans FB" panose="020E0602020502020306" pitchFamily="34" charset="0"/>
-            </a:endParaRPr>
           </a:p>
         </p:txBody>
       </p:sp>
@@ -23231,10 +23237,9 @@
           <a:lstStyle/>
           <a:p>
             <a:r>
-              <a:rPr lang="en-IN" sz="3200" dirty="0" smtClean="0"/>
+              <a:rPr lang="en-IN" sz="3200" dirty="0"/>
               <a:t>Mobile Phone</a:t>
             </a:r>
-            <a:endParaRPr lang="en-IN" sz="3200" dirty="0"/>
           </a:p>
         </p:txBody>
       </p:sp>
@@ -23710,18 +23715,17 @@
           <a:lstStyle/>
           <a:p>
             <a:r>
-              <a:rPr lang="en-IN" dirty="0" smtClean="0"/>
+              <a:rPr lang="en-IN" dirty="0"/>
               <a:t>Use input through a Mobile Phone to </a:t>
             </a:r>
             <a:r>
-              <a:rPr lang="en-IN" b="1" dirty="0" smtClean="0"/>
+              <a:rPr lang="en-IN" b="1" dirty="0"/>
               <a:t>automatically on/off </a:t>
             </a:r>
             <a:r>
-              <a:rPr lang="en-IN" dirty="0" smtClean="0"/>
+              <a:rPr lang="en-IN" dirty="0"/>
               <a:t>devices</a:t>
             </a:r>
-            <a:endParaRPr lang="en-IN" dirty="0"/>
           </a:p>
         </p:txBody>
       </p:sp>
@@ -23761,18 +23765,17 @@
           <a:lstStyle/>
           <a:p>
             <a:r>
-              <a:rPr lang="en-IN" dirty="0" smtClean="0"/>
+              <a:rPr lang="en-IN" dirty="0"/>
               <a:t>Now the input is </a:t>
             </a:r>
             <a:r>
-              <a:rPr lang="en-IN" b="1" dirty="0" smtClean="0"/>
+              <a:rPr lang="en-IN" b="1" dirty="0"/>
               <a:t>wirelessly transferred </a:t>
             </a:r>
             <a:r>
-              <a:rPr lang="en-IN" dirty="0" smtClean="0"/>
+              <a:rPr lang="en-IN" dirty="0"/>
               <a:t>to DTMF Module which is the main part of our Project </a:t>
             </a:r>
-            <a:endParaRPr lang="en-IN" dirty="0"/>
           </a:p>
         </p:txBody>
       </p:sp>
@@ -23812,10 +23815,9 @@
           <a:lstStyle/>
           <a:p>
             <a:r>
-              <a:rPr lang="en-IN" dirty="0" smtClean="0"/>
+              <a:rPr lang="en-IN" dirty="0"/>
               <a:t>The O/P  through DTMF module is fed to Invertor IC  </a:t>
             </a:r>
-            <a:endParaRPr lang="en-IN" dirty="0"/>
           </a:p>
         </p:txBody>
       </p:sp>
@@ -23855,10 +23857,9 @@
           <a:lstStyle/>
           <a:p>
             <a:r>
-              <a:rPr lang="en-IN" dirty="0" smtClean="0"/>
+              <a:rPr lang="en-IN" dirty="0"/>
               <a:t>Now the O/P is fed to  MCU as Input and the corresponding O/P is obtained</a:t>
             </a:r>
-            <a:endParaRPr lang="en-IN" dirty="0"/>
           </a:p>
         </p:txBody>
       </p:sp>
@@ -23898,10 +23899,9 @@
           <a:lstStyle/>
           <a:p>
             <a:r>
-              <a:rPr lang="en-IN" dirty="0" smtClean="0"/>
+              <a:rPr lang="en-IN" dirty="0"/>
               <a:t>Now the corresponding O/P is fed to devices.</a:t>
             </a:r>
-            <a:endParaRPr lang="en-IN" dirty="0"/>
           </a:p>
         </p:txBody>
       </p:sp>
@@ -24050,13 +24050,6 @@
   <p:transition spd="slow">
     <p:push dir="u"/>
   </p:transition>
-  <p:timing>
-    <p:tnLst>
-      <p:par>
-        <p:cTn id="1" dur="indefinite" restart="never" nodeType="tmRoot"/>
-      </p:par>
-    </p:tnLst>
-  </p:timing>
 </p:sld>
 </file>
 
